--- a/docs/Figures/RenalWorking.pptx
+++ b/docs/Figures/RenalWorking.pptx
@@ -6,20 +6,19 @@
     <p:sldMasterId id="2147483672" r:id="rId2"/>
   </p:sldMasterIdLst>
   <p:notesMasterIdLst>
-    <p:notesMasterId r:id="rId14"/>
+    <p:notesMasterId r:id="rId13"/>
   </p:notesMasterIdLst>
   <p:sldIdLst>
-    <p:sldId id="269" r:id="rId3"/>
-    <p:sldId id="270" r:id="rId4"/>
-    <p:sldId id="271" r:id="rId5"/>
-    <p:sldId id="278" r:id="rId6"/>
-    <p:sldId id="272" r:id="rId7"/>
-    <p:sldId id="273" r:id="rId8"/>
-    <p:sldId id="274" r:id="rId9"/>
-    <p:sldId id="281" r:id="rId10"/>
-    <p:sldId id="275" r:id="rId11"/>
-    <p:sldId id="279" r:id="rId12"/>
-    <p:sldId id="276" r:id="rId13"/>
+    <p:sldId id="270" r:id="rId3"/>
+    <p:sldId id="271" r:id="rId4"/>
+    <p:sldId id="278" r:id="rId5"/>
+    <p:sldId id="272" r:id="rId6"/>
+    <p:sldId id="273" r:id="rId7"/>
+    <p:sldId id="274" r:id="rId8"/>
+    <p:sldId id="281" r:id="rId9"/>
+    <p:sldId id="275" r:id="rId10"/>
+    <p:sldId id="279" r:id="rId11"/>
+    <p:sldId id="276" r:id="rId12"/>
   </p:sldIdLst>
   <p:sldSz cx="9144000" cy="6858000" type="screen4x3"/>
   <p:notesSz cx="6996113" cy="9282113"/>
@@ -120,7 +119,7 @@
   </p:defaultTextStyle>
   <p:extLst>
     <p:ext uri="{EFAFB233-063F-42B5-8137-9DF3F51BA10A}">
-      <p15:sldGuideLst xmlns="" xmlns:p15="http://schemas.microsoft.com/office/powerpoint/2012/main">
+      <p15:sldGuideLst xmlns:p15="http://schemas.microsoft.com/office/powerpoint/2012/main">
         <p15:guide id="1" orient="horz" pos="2160">
           <p15:clr>
             <a:srgbClr val="A4A3A4"/>
@@ -219,7 +218,7 @@
           <a:p>
             <a:fld id="{7B126BB8-5932-4ACC-8CD5-328D9DA138C9}" type="datetimeFigureOut">
               <a:rPr lang="en-US" smtClean="0"/>
-              <a:t>12/14/2016</a:t>
+              <a:t>1/7/2020</a:t>
             </a:fld>
             <a:endParaRPr lang="en-US"/>
           </a:p>
@@ -283,38 +282,37 @@
           <a:p>
             <a:pPr lvl="0"/>
             <a:r>
-              <a:rPr lang="en-US" smtClean="0"/>
+              <a:rPr lang="en-US"/>
               <a:t>Click to edit Master text styles</a:t>
             </a:r>
           </a:p>
           <a:p>
             <a:pPr lvl="1"/>
             <a:r>
-              <a:rPr lang="en-US" smtClean="0"/>
+              <a:rPr lang="en-US"/>
               <a:t>Second level</a:t>
             </a:r>
           </a:p>
           <a:p>
             <a:pPr lvl="2"/>
             <a:r>
-              <a:rPr lang="en-US" smtClean="0"/>
+              <a:rPr lang="en-US"/>
               <a:t>Third level</a:t>
             </a:r>
           </a:p>
           <a:p>
             <a:pPr lvl="3"/>
             <a:r>
-              <a:rPr lang="en-US" smtClean="0"/>
+              <a:rPr lang="en-US"/>
               <a:t>Fourth level</a:t>
             </a:r>
           </a:p>
           <a:p>
             <a:pPr lvl="4"/>
             <a:r>
-              <a:rPr lang="en-US" smtClean="0"/>
+              <a:rPr lang="en-US"/>
               <a:t>Fifth level</a:t>
             </a:r>
-            <a:endParaRPr lang="en-US"/>
           </a:p>
         </p:txBody>
       </p:sp>
@@ -487,90 +485,6 @@
 </p:notesMaster>
 </file>
 
-<file path=ppt/notesSlides/notesSlide1.xml><?xml version="1.0" encoding="utf-8"?>
-<p:notes xmlns:a="http://schemas.openxmlformats.org/drawingml/2006/main" xmlns:r="http://schemas.openxmlformats.org/officeDocument/2006/relationships" xmlns:p="http://schemas.openxmlformats.org/presentationml/2006/main">
-  <p:cSld>
-    <p:spTree>
-      <p:nvGrpSpPr>
-        <p:cNvPr id="1" name=""/>
-        <p:cNvGrpSpPr/>
-        <p:nvPr/>
-      </p:nvGrpSpPr>
-      <p:grpSpPr>
-        <a:xfrm>
-          <a:off x="0" y="0"/>
-          <a:ext cx="0" cy="0"/>
-          <a:chOff x="0" y="0"/>
-          <a:chExt cx="0" cy="0"/>
-        </a:xfrm>
-      </p:grpSpPr>
-      <p:sp>
-        <p:nvSpPr>
-          <p:cNvPr id="2" name="Slide Image Placeholder 1"/>
-          <p:cNvSpPr>
-            <a:spLocks noGrp="1" noRot="1" noChangeAspect="1"/>
-          </p:cNvSpPr>
-          <p:nvPr>
-            <p:ph type="sldImg"/>
-          </p:nvPr>
-        </p:nvSpPr>
-        <p:spPr/>
-      </p:sp>
-      <p:sp>
-        <p:nvSpPr>
-          <p:cNvPr id="3" name="Notes Placeholder 2"/>
-          <p:cNvSpPr>
-            <a:spLocks noGrp="1"/>
-          </p:cNvSpPr>
-          <p:nvPr>
-            <p:ph type="body" idx="1"/>
-          </p:nvPr>
-        </p:nvSpPr>
-        <p:spPr/>
-        <p:txBody>
-          <a:bodyPr/>
-          <a:lstStyle/>
-          <a:p>
-            <a:endParaRPr lang="en-US" dirty="0"/>
-          </a:p>
-        </p:txBody>
-      </p:sp>
-      <p:sp>
-        <p:nvSpPr>
-          <p:cNvPr id="4" name="Slide Number Placeholder 3"/>
-          <p:cNvSpPr>
-            <a:spLocks noGrp="1"/>
-          </p:cNvSpPr>
-          <p:nvPr>
-            <p:ph type="sldNum" sz="quarter" idx="10"/>
-          </p:nvPr>
-        </p:nvSpPr>
-        <p:spPr/>
-        <p:txBody>
-          <a:bodyPr/>
-          <a:lstStyle/>
-          <a:p>
-            <a:fld id="{3FEE9A71-B8D6-467E-9737-A44765197244}" type="slidenum">
-              <a:rPr lang="en-US" smtClean="0"/>
-              <a:t>1</a:t>
-            </a:fld>
-            <a:endParaRPr lang="en-US"/>
-          </a:p>
-        </p:txBody>
-      </p:sp>
-    </p:spTree>
-    <p:extLst>
-      <p:ext uri="{BB962C8B-B14F-4D97-AF65-F5344CB8AC3E}">
-        <p14:creationId xmlns:p14="http://schemas.microsoft.com/office/powerpoint/2010/main" val="3381093138"/>
-      </p:ext>
-    </p:extLst>
-  </p:cSld>
-  <p:clrMapOvr>
-    <a:masterClrMapping/>
-  </p:clrMapOvr>
-</p:notes>
-</file>
-
 <file path=ppt/slideLayouts/slideLayout1.xml><?xml version="1.0" encoding="utf-8"?>
 <p:sldLayout xmlns:a="http://schemas.openxmlformats.org/drawingml/2006/main" xmlns:r="http://schemas.openxmlformats.org/officeDocument/2006/relationships" xmlns:p="http://schemas.openxmlformats.org/presentationml/2006/main" type="title" preserve="1">
   <p:cSld name="Title Slide">
@@ -609,10 +523,9 @@
           <a:lstStyle/>
           <a:p>
             <a:r>
-              <a:rPr lang="en-US" smtClean="0"/>
+              <a:rPr lang="en-US"/>
               <a:t>Click to edit Master title style</a:t>
             </a:r>
-            <a:endParaRPr lang="en-US"/>
           </a:p>
         </p:txBody>
       </p:sp>
@@ -728,10 +641,9 @@
           </a:lstStyle>
           <a:p>
             <a:r>
-              <a:rPr lang="en-US" smtClean="0"/>
+              <a:rPr lang="en-US"/>
               <a:t>Click to edit Master subtitle style</a:t>
             </a:r>
-            <a:endParaRPr lang="en-US"/>
           </a:p>
         </p:txBody>
       </p:sp>
@@ -752,7 +664,7 @@
           <a:p>
             <a:fld id="{9E9AFD63-10BD-4598-9E1E-9FFECB76D2D7}" type="datetimeFigureOut">
               <a:rPr lang="en-US" smtClean="0"/>
-              <a:t>12/14/2016</a:t>
+              <a:t>1/7/2020</a:t>
             </a:fld>
             <a:endParaRPr lang="en-US"/>
           </a:p>
@@ -846,10 +758,9 @@
           <a:lstStyle/>
           <a:p>
             <a:r>
-              <a:rPr lang="en-US" smtClean="0"/>
+              <a:rPr lang="en-US"/>
               <a:t>Click to edit Master title style</a:t>
             </a:r>
-            <a:endParaRPr lang="en-US"/>
           </a:p>
         </p:txBody>
       </p:sp>
@@ -870,38 +781,37 @@
           <a:p>
             <a:pPr lvl="0"/>
             <a:r>
-              <a:rPr lang="en-US" smtClean="0"/>
+              <a:rPr lang="en-US"/>
               <a:t>Click to edit Master text styles</a:t>
             </a:r>
           </a:p>
           <a:p>
             <a:pPr lvl="1"/>
             <a:r>
-              <a:rPr lang="en-US" smtClean="0"/>
+              <a:rPr lang="en-US"/>
               <a:t>Second level</a:t>
             </a:r>
           </a:p>
           <a:p>
             <a:pPr lvl="2"/>
             <a:r>
-              <a:rPr lang="en-US" smtClean="0"/>
+              <a:rPr lang="en-US"/>
               <a:t>Third level</a:t>
             </a:r>
           </a:p>
           <a:p>
             <a:pPr lvl="3"/>
             <a:r>
-              <a:rPr lang="en-US" smtClean="0"/>
+              <a:rPr lang="en-US"/>
               <a:t>Fourth level</a:t>
             </a:r>
           </a:p>
           <a:p>
             <a:pPr lvl="4"/>
             <a:r>
-              <a:rPr lang="en-US" smtClean="0"/>
+              <a:rPr lang="en-US"/>
               <a:t>Fifth level</a:t>
             </a:r>
-            <a:endParaRPr lang="en-US"/>
           </a:p>
         </p:txBody>
       </p:sp>
@@ -922,7 +832,7 @@
           <a:p>
             <a:fld id="{9E9AFD63-10BD-4598-9E1E-9FFECB76D2D7}" type="datetimeFigureOut">
               <a:rPr lang="en-US" smtClean="0"/>
-              <a:t>12/14/2016</a:t>
+              <a:t>1/7/2020</a:t>
             </a:fld>
             <a:endParaRPr lang="en-US"/>
           </a:p>
@@ -1021,10 +931,9 @@
           <a:lstStyle/>
           <a:p>
             <a:r>
-              <a:rPr lang="en-US" smtClean="0"/>
+              <a:rPr lang="en-US"/>
               <a:t>Click to edit Master title style</a:t>
             </a:r>
-            <a:endParaRPr lang="en-US"/>
           </a:p>
         </p:txBody>
       </p:sp>
@@ -1050,38 +959,37 @@
           <a:p>
             <a:pPr lvl="0"/>
             <a:r>
-              <a:rPr lang="en-US" smtClean="0"/>
+              <a:rPr lang="en-US"/>
               <a:t>Click to edit Master text styles</a:t>
             </a:r>
           </a:p>
           <a:p>
             <a:pPr lvl="1"/>
             <a:r>
-              <a:rPr lang="en-US" smtClean="0"/>
+              <a:rPr lang="en-US"/>
               <a:t>Second level</a:t>
             </a:r>
           </a:p>
           <a:p>
             <a:pPr lvl="2"/>
             <a:r>
-              <a:rPr lang="en-US" smtClean="0"/>
+              <a:rPr lang="en-US"/>
               <a:t>Third level</a:t>
             </a:r>
           </a:p>
           <a:p>
             <a:pPr lvl="3"/>
             <a:r>
-              <a:rPr lang="en-US" smtClean="0"/>
+              <a:rPr lang="en-US"/>
               <a:t>Fourth level</a:t>
             </a:r>
           </a:p>
           <a:p>
             <a:pPr lvl="4"/>
             <a:r>
-              <a:rPr lang="en-US" smtClean="0"/>
+              <a:rPr lang="en-US"/>
               <a:t>Fifth level</a:t>
             </a:r>
-            <a:endParaRPr lang="en-US"/>
           </a:p>
         </p:txBody>
       </p:sp>
@@ -1102,7 +1010,7 @@
           <a:p>
             <a:fld id="{9E9AFD63-10BD-4598-9E1E-9FFECB76D2D7}" type="datetimeFigureOut">
               <a:rPr lang="en-US" smtClean="0"/>
-              <a:t>12/14/2016</a:t>
+              <a:t>1/7/2020</a:t>
             </a:fld>
             <a:endParaRPr lang="en-US"/>
           </a:p>
@@ -1297,10 +1205,9 @@
           </a:lstStyle>
           <a:p>
             <a:r>
-              <a:rPr lang="en-US" dirty="0" smtClean="0"/>
+              <a:rPr lang="en-US" dirty="0"/>
               <a:t>date</a:t>
             </a:r>
-            <a:endParaRPr lang="en-US" dirty="0"/>
           </a:p>
         </p:txBody>
       </p:sp>
@@ -1464,10 +1371,9 @@
           </a:lstStyle>
           <a:p>
             <a:r>
-              <a:rPr lang="en-US" dirty="0" smtClean="0"/>
+              <a:rPr lang="en-US" dirty="0"/>
               <a:t>Click to edit title</a:t>
             </a:r>
-            <a:endParaRPr lang="en-US" dirty="0"/>
           </a:p>
         </p:txBody>
       </p:sp>
@@ -1556,38 +1462,37 @@
           <a:p>
             <a:pPr lvl="0"/>
             <a:r>
-              <a:rPr lang="en-US" smtClean="0"/>
+              <a:rPr lang="en-US"/>
               <a:t>Click to edit Master text styles</a:t>
             </a:r>
           </a:p>
           <a:p>
             <a:pPr lvl="1"/>
             <a:r>
-              <a:rPr lang="en-US" smtClean="0"/>
+              <a:rPr lang="en-US"/>
               <a:t>Second level</a:t>
             </a:r>
           </a:p>
           <a:p>
             <a:pPr lvl="2"/>
             <a:r>
-              <a:rPr lang="en-US" smtClean="0"/>
+              <a:rPr lang="en-US"/>
               <a:t>Third level</a:t>
             </a:r>
           </a:p>
           <a:p>
             <a:pPr lvl="3"/>
             <a:r>
-              <a:rPr lang="en-US" smtClean="0"/>
+              <a:rPr lang="en-US"/>
               <a:t>Fourth level</a:t>
             </a:r>
           </a:p>
           <a:p>
             <a:pPr lvl="4"/>
             <a:r>
-              <a:rPr lang="en-US" smtClean="0"/>
+              <a:rPr lang="en-US"/>
               <a:t>Fifth level</a:t>
             </a:r>
-            <a:endParaRPr lang="en-US"/>
           </a:p>
         </p:txBody>
       </p:sp>
@@ -1617,7 +1522,7 @@
           <a:lstStyle/>
           <a:p>
             <a:r>
-              <a:rPr lang="en-US" smtClean="0"/>
+              <a:rPr lang="en-US"/>
               <a:t>Click to edit Master title style</a:t>
             </a:r>
             <a:endParaRPr lang="en-US" dirty="0"/>
@@ -1682,7 +1587,7 @@
           </a:lstStyle>
           <a:p>
             <a:r>
-              <a:rPr lang="en-US" smtClean="0"/>
+              <a:rPr lang="en-US"/>
               <a:t>Click to edit Master title style</a:t>
             </a:r>
             <a:endParaRPr lang="en-US" dirty="0"/>
@@ -1805,7 +1710,7 @@
           <a:p>
             <a:pPr lvl="0"/>
             <a:r>
-              <a:rPr lang="en-US" smtClean="0"/>
+              <a:rPr lang="en-US"/>
               <a:t>Click to edit Master text styles</a:t>
             </a:r>
           </a:p>
@@ -1894,35 +1799,35 @@
           <a:p>
             <a:pPr lvl="0"/>
             <a:r>
-              <a:rPr lang="en-US" smtClean="0"/>
+              <a:rPr lang="en-US"/>
               <a:t>Click to edit Master text styles</a:t>
             </a:r>
           </a:p>
           <a:p>
             <a:pPr lvl="1"/>
             <a:r>
-              <a:rPr lang="en-US" smtClean="0"/>
+              <a:rPr lang="en-US"/>
               <a:t>Second level</a:t>
             </a:r>
           </a:p>
           <a:p>
             <a:pPr lvl="2"/>
             <a:r>
-              <a:rPr lang="en-US" smtClean="0"/>
+              <a:rPr lang="en-US"/>
               <a:t>Third level</a:t>
             </a:r>
           </a:p>
           <a:p>
             <a:pPr lvl="3"/>
             <a:r>
-              <a:rPr lang="en-US" smtClean="0"/>
+              <a:rPr lang="en-US"/>
               <a:t>Fourth level</a:t>
             </a:r>
           </a:p>
           <a:p>
             <a:pPr lvl="4"/>
             <a:r>
-              <a:rPr lang="en-US" smtClean="0"/>
+              <a:rPr lang="en-US"/>
               <a:t>Fifth level</a:t>
             </a:r>
             <a:endParaRPr lang="en-US" dirty="0"/>
@@ -1982,38 +1887,37 @@
           <a:p>
             <a:pPr lvl="0"/>
             <a:r>
-              <a:rPr lang="en-US" smtClean="0"/>
+              <a:rPr lang="en-US"/>
               <a:t>Click to edit Master text styles</a:t>
             </a:r>
           </a:p>
           <a:p>
             <a:pPr lvl="1"/>
             <a:r>
-              <a:rPr lang="en-US" smtClean="0"/>
+              <a:rPr lang="en-US"/>
               <a:t>Second level</a:t>
             </a:r>
           </a:p>
           <a:p>
             <a:pPr lvl="2"/>
             <a:r>
-              <a:rPr lang="en-US" smtClean="0"/>
+              <a:rPr lang="en-US"/>
               <a:t>Third level</a:t>
             </a:r>
           </a:p>
           <a:p>
             <a:pPr lvl="3"/>
             <a:r>
-              <a:rPr lang="en-US" smtClean="0"/>
+              <a:rPr lang="en-US"/>
               <a:t>Fourth level</a:t>
             </a:r>
           </a:p>
           <a:p>
             <a:pPr lvl="4"/>
             <a:r>
-              <a:rPr lang="en-US" smtClean="0"/>
+              <a:rPr lang="en-US"/>
               <a:t>Fifth level</a:t>
             </a:r>
-            <a:endParaRPr lang="en-US"/>
           </a:p>
         </p:txBody>
       </p:sp>
@@ -2043,7 +1947,7 @@
           <a:lstStyle/>
           <a:p>
             <a:r>
-              <a:rPr lang="en-US" smtClean="0"/>
+              <a:rPr lang="en-US"/>
               <a:t>Click to edit Master title style</a:t>
             </a:r>
             <a:endParaRPr lang="en-US" dirty="0"/>
@@ -2144,7 +2048,7 @@
           <a:p>
             <a:pPr lvl="0"/>
             <a:r>
-              <a:rPr lang="en-US" smtClean="0"/>
+              <a:rPr lang="en-US"/>
               <a:t>Click to edit Master text styles</a:t>
             </a:r>
           </a:p>
@@ -2203,35 +2107,35 @@
           <a:p>
             <a:pPr lvl="0"/>
             <a:r>
-              <a:rPr lang="en-US" smtClean="0"/>
+              <a:rPr lang="en-US"/>
               <a:t>Click to edit Master text styles</a:t>
             </a:r>
           </a:p>
           <a:p>
             <a:pPr lvl="1"/>
             <a:r>
-              <a:rPr lang="en-US" smtClean="0"/>
+              <a:rPr lang="en-US"/>
               <a:t>Second level</a:t>
             </a:r>
           </a:p>
           <a:p>
             <a:pPr lvl="2"/>
             <a:r>
-              <a:rPr lang="en-US" smtClean="0"/>
+              <a:rPr lang="en-US"/>
               <a:t>Third level</a:t>
             </a:r>
           </a:p>
           <a:p>
             <a:pPr lvl="3"/>
             <a:r>
-              <a:rPr lang="en-US" smtClean="0"/>
+              <a:rPr lang="en-US"/>
               <a:t>Fourth level</a:t>
             </a:r>
           </a:p>
           <a:p>
             <a:pPr lvl="4"/>
             <a:r>
-              <a:rPr lang="en-US" smtClean="0"/>
+              <a:rPr lang="en-US"/>
               <a:t>Fifth level</a:t>
             </a:r>
             <a:endParaRPr lang="en-US" dirty="0"/>
@@ -2302,7 +2206,7 @@
           <a:p>
             <a:pPr lvl="0"/>
             <a:r>
-              <a:rPr lang="en-US" smtClean="0"/>
+              <a:rPr lang="en-US"/>
               <a:t>Click to edit Master text styles</a:t>
             </a:r>
           </a:p>
@@ -2361,38 +2265,37 @@
           <a:p>
             <a:pPr lvl="0"/>
             <a:r>
-              <a:rPr lang="en-US" smtClean="0"/>
+              <a:rPr lang="en-US"/>
               <a:t>Click to edit Master text styles</a:t>
             </a:r>
           </a:p>
           <a:p>
             <a:pPr lvl="1"/>
             <a:r>
-              <a:rPr lang="en-US" smtClean="0"/>
+              <a:rPr lang="en-US"/>
               <a:t>Second level</a:t>
             </a:r>
           </a:p>
           <a:p>
             <a:pPr lvl="2"/>
             <a:r>
-              <a:rPr lang="en-US" smtClean="0"/>
+              <a:rPr lang="en-US"/>
               <a:t>Third level</a:t>
             </a:r>
           </a:p>
           <a:p>
             <a:pPr lvl="3"/>
             <a:r>
-              <a:rPr lang="en-US" smtClean="0"/>
+              <a:rPr lang="en-US"/>
               <a:t>Fourth level</a:t>
             </a:r>
           </a:p>
           <a:p>
             <a:pPr lvl="4"/>
             <a:r>
-              <a:rPr lang="en-US" smtClean="0"/>
+              <a:rPr lang="en-US"/>
               <a:t>Fifth level</a:t>
             </a:r>
-            <a:endParaRPr lang="en-US"/>
           </a:p>
         </p:txBody>
       </p:sp>
@@ -2422,7 +2325,7 @@
           <a:lstStyle/>
           <a:p>
             <a:r>
-              <a:rPr lang="en-US" smtClean="0"/>
+              <a:rPr lang="en-US"/>
               <a:t>Click to edit Master title style</a:t>
             </a:r>
             <a:endParaRPr lang="en-US" dirty="0"/>
@@ -2485,7 +2388,7 @@
           <a:lstStyle/>
           <a:p>
             <a:r>
-              <a:rPr lang="en-US" smtClean="0"/>
+              <a:rPr lang="en-US"/>
               <a:t>Click to edit Master title style</a:t>
             </a:r>
             <a:endParaRPr lang="en-US" dirty="0"/>
@@ -2580,10 +2483,9 @@
           </a:lstStyle>
           <a:p>
             <a:r>
-              <a:rPr lang="en-US" smtClean="0"/>
+              <a:rPr lang="en-US"/>
               <a:t>Click to edit Master title style</a:t>
             </a:r>
-            <a:endParaRPr lang="en-US"/>
           </a:p>
         </p:txBody>
       </p:sp>
@@ -2640,35 +2542,35 @@
           <a:p>
             <a:pPr lvl="0"/>
             <a:r>
-              <a:rPr lang="en-US" smtClean="0"/>
+              <a:rPr lang="en-US"/>
               <a:t>Click to edit Master text styles</a:t>
             </a:r>
           </a:p>
           <a:p>
             <a:pPr lvl="1"/>
             <a:r>
-              <a:rPr lang="en-US" smtClean="0"/>
+              <a:rPr lang="en-US"/>
               <a:t>Second level</a:t>
             </a:r>
           </a:p>
           <a:p>
             <a:pPr lvl="2"/>
             <a:r>
-              <a:rPr lang="en-US" smtClean="0"/>
+              <a:rPr lang="en-US"/>
               <a:t>Third level</a:t>
             </a:r>
           </a:p>
           <a:p>
             <a:pPr lvl="3"/>
             <a:r>
-              <a:rPr lang="en-US" smtClean="0"/>
+              <a:rPr lang="en-US"/>
               <a:t>Fourth level</a:t>
             </a:r>
           </a:p>
           <a:p>
             <a:pPr lvl="4"/>
             <a:r>
-              <a:rPr lang="en-US" smtClean="0"/>
+              <a:rPr lang="en-US"/>
               <a:t>Fifth level</a:t>
             </a:r>
             <a:endParaRPr lang="en-US" dirty="0"/>
@@ -2737,7 +2639,7 @@
           <a:p>
             <a:pPr lvl="0"/>
             <a:r>
-              <a:rPr lang="en-US" smtClean="0"/>
+              <a:rPr lang="en-US"/>
               <a:t>Click to edit Master text styles</a:t>
             </a:r>
           </a:p>
@@ -2789,10 +2691,9 @@
           <a:lstStyle/>
           <a:p>
             <a:r>
-              <a:rPr lang="en-US" smtClean="0"/>
+              <a:rPr lang="en-US"/>
               <a:t>Click to edit Master title style</a:t>
             </a:r>
-            <a:endParaRPr lang="en-US"/>
           </a:p>
         </p:txBody>
       </p:sp>
@@ -2813,38 +2714,37 @@
           <a:p>
             <a:pPr lvl="0"/>
             <a:r>
-              <a:rPr lang="en-US" smtClean="0"/>
+              <a:rPr lang="en-US"/>
               <a:t>Click to edit Master text styles</a:t>
             </a:r>
           </a:p>
           <a:p>
             <a:pPr lvl="1"/>
             <a:r>
-              <a:rPr lang="en-US" smtClean="0"/>
+              <a:rPr lang="en-US"/>
               <a:t>Second level</a:t>
             </a:r>
           </a:p>
           <a:p>
             <a:pPr lvl="2"/>
             <a:r>
-              <a:rPr lang="en-US" smtClean="0"/>
+              <a:rPr lang="en-US"/>
               <a:t>Third level</a:t>
             </a:r>
           </a:p>
           <a:p>
             <a:pPr lvl="3"/>
             <a:r>
-              <a:rPr lang="en-US" smtClean="0"/>
+              <a:rPr lang="en-US"/>
               <a:t>Fourth level</a:t>
             </a:r>
           </a:p>
           <a:p>
             <a:pPr lvl="4"/>
             <a:r>
-              <a:rPr lang="en-US" smtClean="0"/>
+              <a:rPr lang="en-US"/>
               <a:t>Fifth level</a:t>
             </a:r>
-            <a:endParaRPr lang="en-US"/>
           </a:p>
         </p:txBody>
       </p:sp>
@@ -2865,7 +2765,7 @@
           <a:p>
             <a:fld id="{9E9AFD63-10BD-4598-9E1E-9FFECB76D2D7}" type="datetimeFigureOut">
               <a:rPr lang="en-US" smtClean="0"/>
-              <a:t>12/14/2016</a:t>
+              <a:t>1/7/2020</a:t>
             </a:fld>
             <a:endParaRPr lang="en-US"/>
           </a:p>
@@ -2971,10 +2871,9 @@
           </a:lstStyle>
           <a:p>
             <a:r>
-              <a:rPr lang="en-US" smtClean="0"/>
+              <a:rPr lang="en-US"/>
               <a:t>Click to edit Master title style</a:t>
             </a:r>
-            <a:endParaRPr lang="en-US"/>
           </a:p>
         </p:txBody>
       </p:sp>
@@ -3039,10 +2938,9 @@
           </a:lstStyle>
           <a:p>
             <a:r>
-              <a:rPr lang="en-US" smtClean="0"/>
+              <a:rPr lang="en-US"/>
               <a:t>Drag picture to placeholder or click icon to add</a:t>
             </a:r>
-            <a:endParaRPr lang="en-US"/>
           </a:p>
         </p:txBody>
       </p:sp>
@@ -3108,7 +3006,7 @@
           <a:p>
             <a:pPr lvl="0"/>
             <a:r>
-              <a:rPr lang="en-US" smtClean="0"/>
+              <a:rPr lang="en-US"/>
               <a:t>Click to edit Master text styles</a:t>
             </a:r>
           </a:p>
@@ -3169,10 +3067,9 @@
           </a:lstStyle>
           <a:p>
             <a:r>
-              <a:rPr lang="en-US" smtClean="0"/>
+              <a:rPr lang="en-US"/>
               <a:t>Click to edit Master title style</a:t>
             </a:r>
-            <a:endParaRPr lang="en-US"/>
           </a:p>
         </p:txBody>
       </p:sp>
@@ -3289,7 +3186,7 @@
           <a:p>
             <a:pPr lvl="0"/>
             <a:r>
-              <a:rPr lang="en-US" smtClean="0"/>
+              <a:rPr lang="en-US"/>
               <a:t>Click to edit Master text styles</a:t>
             </a:r>
           </a:p>
@@ -3312,7 +3209,7 @@
           <a:p>
             <a:fld id="{9E9AFD63-10BD-4598-9E1E-9FFECB76D2D7}" type="datetimeFigureOut">
               <a:rPr lang="en-US" smtClean="0"/>
-              <a:t>12/14/2016</a:t>
+              <a:t>1/7/2020</a:t>
             </a:fld>
             <a:endParaRPr lang="en-US"/>
           </a:p>
@@ -3406,10 +3303,9 @@
           <a:lstStyle/>
           <a:p>
             <a:r>
-              <a:rPr lang="en-US" smtClean="0"/>
+              <a:rPr lang="en-US"/>
               <a:t>Click to edit Master title style</a:t>
             </a:r>
-            <a:endParaRPr lang="en-US"/>
           </a:p>
         </p:txBody>
       </p:sp>
@@ -3463,38 +3359,37 @@
           <a:p>
             <a:pPr lvl="0"/>
             <a:r>
-              <a:rPr lang="en-US" smtClean="0"/>
+              <a:rPr lang="en-US"/>
               <a:t>Click to edit Master text styles</a:t>
             </a:r>
           </a:p>
           <a:p>
             <a:pPr lvl="1"/>
             <a:r>
-              <a:rPr lang="en-US" smtClean="0"/>
+              <a:rPr lang="en-US"/>
               <a:t>Second level</a:t>
             </a:r>
           </a:p>
           <a:p>
             <a:pPr lvl="2"/>
             <a:r>
-              <a:rPr lang="en-US" smtClean="0"/>
+              <a:rPr lang="en-US"/>
               <a:t>Third level</a:t>
             </a:r>
           </a:p>
           <a:p>
             <a:pPr lvl="3"/>
             <a:r>
-              <a:rPr lang="en-US" smtClean="0"/>
+              <a:rPr lang="en-US"/>
               <a:t>Fourth level</a:t>
             </a:r>
           </a:p>
           <a:p>
             <a:pPr lvl="4"/>
             <a:r>
-              <a:rPr lang="en-US" smtClean="0"/>
+              <a:rPr lang="en-US"/>
               <a:t>Fifth level</a:t>
             </a:r>
-            <a:endParaRPr lang="en-US"/>
           </a:p>
         </p:txBody>
       </p:sp>
@@ -3548,38 +3443,37 @@
           <a:p>
             <a:pPr lvl="0"/>
             <a:r>
-              <a:rPr lang="en-US" smtClean="0"/>
+              <a:rPr lang="en-US"/>
               <a:t>Click to edit Master text styles</a:t>
             </a:r>
           </a:p>
           <a:p>
             <a:pPr lvl="1"/>
             <a:r>
-              <a:rPr lang="en-US" smtClean="0"/>
+              <a:rPr lang="en-US"/>
               <a:t>Second level</a:t>
             </a:r>
           </a:p>
           <a:p>
             <a:pPr lvl="2"/>
             <a:r>
-              <a:rPr lang="en-US" smtClean="0"/>
+              <a:rPr lang="en-US"/>
               <a:t>Third level</a:t>
             </a:r>
           </a:p>
           <a:p>
             <a:pPr lvl="3"/>
             <a:r>
-              <a:rPr lang="en-US" smtClean="0"/>
+              <a:rPr lang="en-US"/>
               <a:t>Fourth level</a:t>
             </a:r>
           </a:p>
           <a:p>
             <a:pPr lvl="4"/>
             <a:r>
-              <a:rPr lang="en-US" smtClean="0"/>
+              <a:rPr lang="en-US"/>
               <a:t>Fifth level</a:t>
             </a:r>
-            <a:endParaRPr lang="en-US"/>
           </a:p>
         </p:txBody>
       </p:sp>
@@ -3600,7 +3494,7 @@
           <a:p>
             <a:fld id="{9E9AFD63-10BD-4598-9E1E-9FFECB76D2D7}" type="datetimeFigureOut">
               <a:rPr lang="en-US" smtClean="0"/>
-              <a:t>12/14/2016</a:t>
+              <a:t>1/7/2020</a:t>
             </a:fld>
             <a:endParaRPr lang="en-US"/>
           </a:p>
@@ -3698,10 +3592,9 @@
           </a:lstStyle>
           <a:p>
             <a:r>
-              <a:rPr lang="en-US" smtClean="0"/>
+              <a:rPr lang="en-US"/>
               <a:t>Click to edit Master title style</a:t>
             </a:r>
-            <a:endParaRPr lang="en-US"/>
           </a:p>
         </p:txBody>
       </p:sp>
@@ -3764,7 +3657,7 @@
           <a:p>
             <a:pPr lvl="0"/>
             <a:r>
-              <a:rPr lang="en-US" smtClean="0"/>
+              <a:rPr lang="en-US"/>
               <a:t>Click to edit Master text styles</a:t>
             </a:r>
           </a:p>
@@ -3820,38 +3713,37 @@
           <a:p>
             <a:pPr lvl="0"/>
             <a:r>
-              <a:rPr lang="en-US" smtClean="0"/>
+              <a:rPr lang="en-US"/>
               <a:t>Click to edit Master text styles</a:t>
             </a:r>
           </a:p>
           <a:p>
             <a:pPr lvl="1"/>
             <a:r>
-              <a:rPr lang="en-US" smtClean="0"/>
+              <a:rPr lang="en-US"/>
               <a:t>Second level</a:t>
             </a:r>
           </a:p>
           <a:p>
             <a:pPr lvl="2"/>
             <a:r>
-              <a:rPr lang="en-US" smtClean="0"/>
+              <a:rPr lang="en-US"/>
               <a:t>Third level</a:t>
             </a:r>
           </a:p>
           <a:p>
             <a:pPr lvl="3"/>
             <a:r>
-              <a:rPr lang="en-US" smtClean="0"/>
+              <a:rPr lang="en-US"/>
               <a:t>Fourth level</a:t>
             </a:r>
           </a:p>
           <a:p>
             <a:pPr lvl="4"/>
             <a:r>
-              <a:rPr lang="en-US" smtClean="0"/>
+              <a:rPr lang="en-US"/>
               <a:t>Fifth level</a:t>
             </a:r>
-            <a:endParaRPr lang="en-US"/>
           </a:p>
         </p:txBody>
       </p:sp>
@@ -3914,7 +3806,7 @@
           <a:p>
             <a:pPr lvl="0"/>
             <a:r>
-              <a:rPr lang="en-US" smtClean="0"/>
+              <a:rPr lang="en-US"/>
               <a:t>Click to edit Master text styles</a:t>
             </a:r>
           </a:p>
@@ -3970,38 +3862,37 @@
           <a:p>
             <a:pPr lvl="0"/>
             <a:r>
-              <a:rPr lang="en-US" smtClean="0"/>
+              <a:rPr lang="en-US"/>
               <a:t>Click to edit Master text styles</a:t>
             </a:r>
           </a:p>
           <a:p>
             <a:pPr lvl="1"/>
             <a:r>
-              <a:rPr lang="en-US" smtClean="0"/>
+              <a:rPr lang="en-US"/>
               <a:t>Second level</a:t>
             </a:r>
           </a:p>
           <a:p>
             <a:pPr lvl="2"/>
             <a:r>
-              <a:rPr lang="en-US" smtClean="0"/>
+              <a:rPr lang="en-US"/>
               <a:t>Third level</a:t>
             </a:r>
           </a:p>
           <a:p>
             <a:pPr lvl="3"/>
             <a:r>
-              <a:rPr lang="en-US" smtClean="0"/>
+              <a:rPr lang="en-US"/>
               <a:t>Fourth level</a:t>
             </a:r>
           </a:p>
           <a:p>
             <a:pPr lvl="4"/>
             <a:r>
-              <a:rPr lang="en-US" smtClean="0"/>
+              <a:rPr lang="en-US"/>
               <a:t>Fifth level</a:t>
             </a:r>
-            <a:endParaRPr lang="en-US"/>
           </a:p>
         </p:txBody>
       </p:sp>
@@ -4022,7 +3913,7 @@
           <a:p>
             <a:fld id="{9E9AFD63-10BD-4598-9E1E-9FFECB76D2D7}" type="datetimeFigureOut">
               <a:rPr lang="en-US" smtClean="0"/>
-              <a:t>12/14/2016</a:t>
+              <a:t>1/7/2020</a:t>
             </a:fld>
             <a:endParaRPr lang="en-US"/>
           </a:p>
@@ -4116,10 +4007,9 @@
           <a:lstStyle/>
           <a:p>
             <a:r>
-              <a:rPr lang="en-US" smtClean="0"/>
+              <a:rPr lang="en-US"/>
               <a:t>Click to edit Master title style</a:t>
             </a:r>
-            <a:endParaRPr lang="en-US"/>
           </a:p>
         </p:txBody>
       </p:sp>
@@ -4140,7 +4030,7 @@
           <a:p>
             <a:fld id="{9E9AFD63-10BD-4598-9E1E-9FFECB76D2D7}" type="datetimeFigureOut">
               <a:rPr lang="en-US" smtClean="0"/>
-              <a:t>12/14/2016</a:t>
+              <a:t>1/7/2020</a:t>
             </a:fld>
             <a:endParaRPr lang="en-US"/>
           </a:p>
@@ -4235,7 +4125,7 @@
           <a:p>
             <a:fld id="{9E9AFD63-10BD-4598-9E1E-9FFECB76D2D7}" type="datetimeFigureOut">
               <a:rPr lang="en-US" smtClean="0"/>
-              <a:t>12/14/2016</a:t>
+              <a:t>1/7/2020</a:t>
             </a:fld>
             <a:endParaRPr lang="en-US"/>
           </a:p>
@@ -4338,10 +4228,9 @@
           </a:lstStyle>
           <a:p>
             <a:r>
-              <a:rPr lang="en-US" smtClean="0"/>
+              <a:rPr lang="en-US"/>
               <a:t>Click to edit Master title style</a:t>
             </a:r>
-            <a:endParaRPr lang="en-US"/>
           </a:p>
         </p:txBody>
       </p:sp>
@@ -4395,38 +4284,37 @@
           <a:p>
             <a:pPr lvl="0"/>
             <a:r>
-              <a:rPr lang="en-US" smtClean="0"/>
+              <a:rPr lang="en-US"/>
               <a:t>Click to edit Master text styles</a:t>
             </a:r>
           </a:p>
           <a:p>
             <a:pPr lvl="1"/>
             <a:r>
-              <a:rPr lang="en-US" smtClean="0"/>
+              <a:rPr lang="en-US"/>
               <a:t>Second level</a:t>
             </a:r>
           </a:p>
           <a:p>
             <a:pPr lvl="2"/>
             <a:r>
-              <a:rPr lang="en-US" smtClean="0"/>
+              <a:rPr lang="en-US"/>
               <a:t>Third level</a:t>
             </a:r>
           </a:p>
           <a:p>
             <a:pPr lvl="3"/>
             <a:r>
-              <a:rPr lang="en-US" smtClean="0"/>
+              <a:rPr lang="en-US"/>
               <a:t>Fourth level</a:t>
             </a:r>
           </a:p>
           <a:p>
             <a:pPr lvl="4"/>
             <a:r>
-              <a:rPr lang="en-US" smtClean="0"/>
+              <a:rPr lang="en-US"/>
               <a:t>Fifth level</a:t>
             </a:r>
-            <a:endParaRPr lang="en-US"/>
           </a:p>
         </p:txBody>
       </p:sp>
@@ -4489,7 +4377,7 @@
           <a:p>
             <a:pPr lvl="0"/>
             <a:r>
-              <a:rPr lang="en-US" smtClean="0"/>
+              <a:rPr lang="en-US"/>
               <a:t>Click to edit Master text styles</a:t>
             </a:r>
           </a:p>
@@ -4512,7 +4400,7 @@
           <a:p>
             <a:fld id="{9E9AFD63-10BD-4598-9E1E-9FFECB76D2D7}" type="datetimeFigureOut">
               <a:rPr lang="en-US" smtClean="0"/>
-              <a:t>12/14/2016</a:t>
+              <a:t>1/7/2020</a:t>
             </a:fld>
             <a:endParaRPr lang="en-US"/>
           </a:p>
@@ -4615,10 +4503,9 @@
           </a:lstStyle>
           <a:p>
             <a:r>
-              <a:rPr lang="en-US" smtClean="0"/>
+              <a:rPr lang="en-US"/>
               <a:t>Click to edit Master title style</a:t>
             </a:r>
-            <a:endParaRPr lang="en-US"/>
           </a:p>
         </p:txBody>
       </p:sp>
@@ -4742,7 +4629,7 @@
           <a:p>
             <a:pPr lvl="0"/>
             <a:r>
-              <a:rPr lang="en-US" smtClean="0"/>
+              <a:rPr lang="en-US"/>
               <a:t>Click to edit Master text styles</a:t>
             </a:r>
           </a:p>
@@ -4765,7 +4652,7 @@
           <a:p>
             <a:fld id="{9E9AFD63-10BD-4598-9E1E-9FFECB76D2D7}" type="datetimeFigureOut">
               <a:rPr lang="en-US" smtClean="0"/>
-              <a:t>12/14/2016</a:t>
+              <a:t>1/7/2020</a:t>
             </a:fld>
             <a:endParaRPr lang="en-US"/>
           </a:p>
@@ -4874,10 +4761,9 @@
           <a:lstStyle/>
           <a:p>
             <a:r>
-              <a:rPr lang="en-US" smtClean="0"/>
+              <a:rPr lang="en-US"/>
               <a:t>Click to edit Master title style</a:t>
             </a:r>
-            <a:endParaRPr lang="en-US"/>
           </a:p>
         </p:txBody>
       </p:sp>
@@ -4908,38 +4794,37 @@
           <a:p>
             <a:pPr lvl="0"/>
             <a:r>
-              <a:rPr lang="en-US" smtClean="0"/>
+              <a:rPr lang="en-US"/>
               <a:t>Click to edit Master text styles</a:t>
             </a:r>
           </a:p>
           <a:p>
             <a:pPr lvl="1"/>
             <a:r>
-              <a:rPr lang="en-US" smtClean="0"/>
+              <a:rPr lang="en-US"/>
               <a:t>Second level</a:t>
             </a:r>
           </a:p>
           <a:p>
             <a:pPr lvl="2"/>
             <a:r>
-              <a:rPr lang="en-US" smtClean="0"/>
+              <a:rPr lang="en-US"/>
               <a:t>Third level</a:t>
             </a:r>
           </a:p>
           <a:p>
             <a:pPr lvl="3"/>
             <a:r>
-              <a:rPr lang="en-US" smtClean="0"/>
+              <a:rPr lang="en-US"/>
               <a:t>Fourth level</a:t>
             </a:r>
           </a:p>
           <a:p>
             <a:pPr lvl="4"/>
             <a:r>
-              <a:rPr lang="en-US" smtClean="0"/>
+              <a:rPr lang="en-US"/>
               <a:t>Fifth level</a:t>
             </a:r>
-            <a:endParaRPr lang="en-US"/>
           </a:p>
         </p:txBody>
       </p:sp>
@@ -4978,7 +4863,7 @@
           <a:p>
             <a:fld id="{9E9AFD63-10BD-4598-9E1E-9FFECB76D2D7}" type="datetimeFigureOut">
               <a:rPr lang="en-US" smtClean="0"/>
-              <a:t>12/14/2016</a:t>
+              <a:t>1/7/2020</a:t>
             </a:fld>
             <a:endParaRPr lang="en-US"/>
           </a:p>
@@ -5474,10 +5359,10 @@
                 <a:ea typeface="ＭＳ Ｐゴシック" pitchFamily="-106" charset="-128"/>
                 <a:cs typeface="ＭＳ Ｐゴシック" pitchFamily="-106" charset="-128"/>
               </a:rPr>
-              <a:t>Copyright </a:t>
-            </a:r>
-            <a:r>
-              <a:rPr lang="en-US" sz="600" dirty="0" smtClean="0">
+              <a:t>Copyright 2014. All rights reserved. Applied </a:t>
+            </a:r>
+            <a:r>
+              <a:rPr lang="en-US" sz="600" dirty="0" err="1">
                 <a:solidFill>
                   <a:prstClr val="black">
                     <a:lumMod val="65000"/>
@@ -5489,7 +5374,7 @@
                 <a:ea typeface="ＭＳ Ｐゴシック" pitchFamily="-106" charset="-128"/>
                 <a:cs typeface="ＭＳ Ｐゴシック" pitchFamily="-106" charset="-128"/>
               </a:rPr>
-              <a:t>2014. </a:t>
+              <a:t>ReArch</a:t>
             </a:r>
             <a:r>
               <a:rPr lang="en-US" sz="600" dirty="0">
@@ -5504,52 +5389,7 @@
                 <a:ea typeface="ＭＳ Ｐゴシック" pitchFamily="-106" charset="-128"/>
                 <a:cs typeface="ＭＳ Ｐゴシック" pitchFamily="-106" charset="-128"/>
               </a:rPr>
-              <a:t>All rights reserved. Applied </a:t>
-            </a:r>
-            <a:r>
-              <a:rPr lang="en-US" sz="600" dirty="0" err="1" smtClean="0">
-                <a:solidFill>
-                  <a:prstClr val="black">
-                    <a:lumMod val="65000"/>
-                    <a:lumOff val="35000"/>
-                    <a:alpha val="30000"/>
-                  </a:prstClr>
-                </a:solidFill>
-                <a:latin typeface="Arial" pitchFamily="-108" charset="0"/>
-                <a:ea typeface="ＭＳ Ｐゴシック" pitchFamily="-106" charset="-128"/>
-                <a:cs typeface="ＭＳ Ｐゴシック" pitchFamily="-106" charset="-128"/>
-              </a:rPr>
-              <a:t>ReArch</a:t>
-            </a:r>
-            <a:r>
-              <a:rPr lang="en-US" sz="600" dirty="0" smtClean="0">
-                <a:solidFill>
-                  <a:prstClr val="black">
-                    <a:lumMod val="65000"/>
-                    <a:lumOff val="35000"/>
-                    <a:alpha val="30000"/>
-                  </a:prstClr>
-                </a:solidFill>
-                <a:latin typeface="Arial" pitchFamily="-108" charset="0"/>
-                <a:ea typeface="ＭＳ Ｐゴシック" pitchFamily="-106" charset="-128"/>
-                <a:cs typeface="ＭＳ Ｐゴシック" pitchFamily="-106" charset="-128"/>
-              </a:rPr>
-              <a:t> </a:t>
-            </a:r>
-            <a:r>
-              <a:rPr lang="en-US" sz="600" dirty="0">
-                <a:solidFill>
-                  <a:prstClr val="black">
-                    <a:lumMod val="65000"/>
-                    <a:lumOff val="35000"/>
-                    <a:alpha val="30000"/>
-                  </a:prstClr>
-                </a:solidFill>
-                <a:latin typeface="Arial" pitchFamily="-108" charset="0"/>
-                <a:ea typeface="ＭＳ Ｐゴシック" pitchFamily="-106" charset="-128"/>
-                <a:cs typeface="ＭＳ Ｐゴシック" pitchFamily="-106" charset="-128"/>
-              </a:rPr>
-              <a:t>Associates, Inc.</a:t>
+              <a:t> Associates, Inc.</a:t>
             </a:r>
           </a:p>
         </p:txBody>
@@ -5632,35 +5472,35 @@
           <a:p>
             <a:pPr lvl="0"/>
             <a:r>
-              <a:rPr lang="en-US" smtClean="0"/>
+              <a:rPr lang="en-US"/>
               <a:t>Click to edit Master text styles</a:t>
             </a:r>
           </a:p>
           <a:p>
             <a:pPr lvl="1"/>
             <a:r>
-              <a:rPr lang="en-US" smtClean="0"/>
+              <a:rPr lang="en-US"/>
               <a:t>Second level</a:t>
             </a:r>
           </a:p>
           <a:p>
             <a:pPr lvl="2"/>
             <a:r>
-              <a:rPr lang="en-US" smtClean="0"/>
+              <a:rPr lang="en-US"/>
               <a:t>Third level</a:t>
             </a:r>
           </a:p>
           <a:p>
             <a:pPr lvl="3"/>
             <a:r>
-              <a:rPr lang="en-US" smtClean="0"/>
+              <a:rPr lang="en-US"/>
               <a:t>Fourth level</a:t>
             </a:r>
           </a:p>
           <a:p>
             <a:pPr lvl="4"/>
             <a:r>
-              <a:rPr lang="en-US" smtClean="0"/>
+              <a:rPr lang="en-US"/>
               <a:t>Fifth level</a:t>
             </a:r>
             <a:endParaRPr lang="en-US" dirty="0"/>
@@ -5693,7 +5533,7 @@
           <a:lstStyle/>
           <a:p>
             <a:r>
-              <a:rPr lang="en-US" smtClean="0"/>
+              <a:rPr lang="en-US"/>
               <a:t>Click to edit Master title style</a:t>
             </a:r>
             <a:endParaRPr lang="en-US" dirty="0"/>
@@ -6181,908 +6021,16 @@
           <a:chExt cx="0" cy="0"/>
         </a:xfrm>
       </p:grpSpPr>
-      <p:sp>
-        <p:nvSpPr>
-          <p:cNvPr id="18" name="Down Arrow 17"/>
-          <p:cNvSpPr/>
-          <p:nvPr/>
-        </p:nvSpPr>
-        <p:spPr>
-          <a:xfrm rot="16200000">
-            <a:off x="2738357" y="4124270"/>
-            <a:ext cx="486640" cy="533400"/>
-          </a:xfrm>
-          <a:prstGeom prst="downArrow">
-            <a:avLst/>
-          </a:prstGeom>
-        </p:spPr>
-        <p:style>
-          <a:lnRef idx="2">
-            <a:schemeClr val="dk1">
-              <a:shade val="50000"/>
-            </a:schemeClr>
-          </a:lnRef>
-          <a:fillRef idx="1">
-            <a:schemeClr val="dk1"/>
-          </a:fillRef>
-          <a:effectRef idx="0">
-            <a:schemeClr val="dk1"/>
-          </a:effectRef>
-          <a:fontRef idx="minor">
-            <a:schemeClr val="lt1"/>
-          </a:fontRef>
-        </p:style>
-        <p:txBody>
-          <a:bodyPr rtlCol="0" anchor="ctr"/>
-          <a:lstStyle/>
-          <a:p>
-            <a:pPr algn="ctr"/>
-            <a:endParaRPr lang="en-US">
-              <a:solidFill>
-                <a:prstClr val="white"/>
-              </a:solidFill>
-            </a:endParaRPr>
-          </a:p>
-        </p:txBody>
-      </p:sp>
-      <p:sp>
-        <p:nvSpPr>
-          <p:cNvPr id="6" name="Rounded Rectangle 5"/>
-          <p:cNvSpPr/>
-          <p:nvPr/>
-        </p:nvSpPr>
-        <p:spPr>
-          <a:xfrm>
-            <a:off x="43622" y="3583999"/>
-            <a:ext cx="2623378" cy="1902401"/>
-          </a:xfrm>
-          <a:prstGeom prst="roundRect">
-            <a:avLst/>
-          </a:prstGeom>
-        </p:spPr>
-        <p:style>
-          <a:lnRef idx="2">
-            <a:schemeClr val="accent1">
-              <a:shade val="50000"/>
-            </a:schemeClr>
-          </a:lnRef>
-          <a:fillRef idx="1">
-            <a:schemeClr val="accent1"/>
-          </a:fillRef>
-          <a:effectRef idx="0">
-            <a:schemeClr val="accent1"/>
-          </a:effectRef>
-          <a:fontRef idx="minor">
-            <a:schemeClr val="lt1"/>
-          </a:fontRef>
-        </p:style>
-        <p:txBody>
-          <a:bodyPr rtlCol="0" anchor="t" anchorCtr="0"/>
-          <a:lstStyle/>
-          <a:p>
-            <a:pPr algn="ctr"/>
-            <a:r>
-              <a:rPr lang="en-US" sz="1050" b="1" u="sng" dirty="0" smtClean="0">
-                <a:solidFill>
-                  <a:prstClr val="white"/>
-                </a:solidFill>
-              </a:rPr>
-              <a:t>Preprocess</a:t>
-            </a:r>
-          </a:p>
-          <a:p>
-            <a:pPr marL="119063" indent="-119063">
-              <a:buFont typeface="Arial" pitchFamily="34" charset="0"/>
-              <a:buChar char="•"/>
-            </a:pPr>
-            <a:r>
-              <a:rPr lang="en-US" sz="1050" dirty="0" err="1" smtClean="0"/>
-              <a:t>CalculateUltrafiltrationFeedback</a:t>
-            </a:r>
-            <a:endParaRPr lang="en-US" sz="1050" dirty="0" smtClean="0"/>
-          </a:p>
-          <a:p>
-            <a:pPr marL="119063" indent="-119063">
-              <a:buFont typeface="Arial" pitchFamily="34" charset="0"/>
-              <a:buChar char="•"/>
-            </a:pPr>
-            <a:r>
-              <a:rPr lang="en-US" sz="1050" dirty="0" err="1" smtClean="0"/>
-              <a:t>CalculateTubuloglomerularFeedback</a:t>
-            </a:r>
-            <a:endParaRPr lang="en-US" sz="1050" dirty="0" smtClean="0"/>
-          </a:p>
-          <a:p>
-            <a:pPr marL="119063" indent="-119063">
-              <a:buFont typeface="Arial" pitchFamily="34" charset="0"/>
-              <a:buChar char="•"/>
-            </a:pPr>
-            <a:r>
-              <a:rPr lang="en-US" sz="1050" dirty="0" err="1" smtClean="0"/>
-              <a:t>CalculateReabsorptionFeedback</a:t>
-            </a:r>
-            <a:endParaRPr lang="en-US" sz="1050" dirty="0"/>
-          </a:p>
-          <a:p>
-            <a:pPr marL="400050" lvl="1" indent="-171450">
-              <a:buFont typeface="Arial" panose="020B0604020202020204" pitchFamily="34" charset="0"/>
-              <a:buChar char="•"/>
-            </a:pPr>
-            <a:r>
-              <a:rPr lang="en-US" sz="1050" dirty="0" err="1" smtClean="0"/>
-              <a:t>CalculateOsmoreceptorFeedback</a:t>
-            </a:r>
-            <a:endParaRPr lang="en-US" sz="1050" dirty="0" smtClean="0"/>
-          </a:p>
-          <a:p>
-            <a:pPr marL="400050" lvl="1" indent="-171450">
-              <a:buFont typeface="Arial" panose="020B0604020202020204" pitchFamily="34" charset="0"/>
-              <a:buChar char="•"/>
-            </a:pPr>
-            <a:r>
-              <a:rPr lang="en-US" sz="1050" dirty="0" err="1" smtClean="0"/>
-              <a:t>CalculateFluidPermeability</a:t>
-            </a:r>
-            <a:endParaRPr lang="en-US" sz="1050" dirty="0" smtClean="0"/>
-          </a:p>
-          <a:p>
-            <a:pPr marL="119063" indent="-119063">
-              <a:buFont typeface="Arial" pitchFamily="34" charset="0"/>
-              <a:buChar char="•"/>
-            </a:pPr>
-            <a:r>
-              <a:rPr lang="en-US" sz="1050" dirty="0" err="1">
-                <a:solidFill>
-                  <a:prstClr val="white"/>
-                </a:solidFill>
-              </a:rPr>
-              <a:t>CalculateColloidOsmoticPressure</a:t>
-            </a:r>
-            <a:endParaRPr lang="en-US" sz="1050" dirty="0">
-              <a:solidFill>
-                <a:prstClr val="white"/>
-              </a:solidFill>
-            </a:endParaRPr>
-          </a:p>
-          <a:p>
-            <a:pPr marL="119063" indent="-119063">
-              <a:buFont typeface="Arial" pitchFamily="34" charset="0"/>
-              <a:buChar char="•"/>
-            </a:pPr>
-            <a:r>
-              <a:rPr lang="en-US" sz="1050" dirty="0" err="1" smtClean="0">
-                <a:solidFill>
-                  <a:prstClr val="white"/>
-                </a:solidFill>
-              </a:rPr>
-              <a:t>UpdateBladderVolume</a:t>
-            </a:r>
-            <a:endParaRPr lang="en-US" sz="1050" dirty="0" smtClean="0">
-              <a:solidFill>
-                <a:prstClr val="white"/>
-              </a:solidFill>
-            </a:endParaRPr>
-          </a:p>
-          <a:p>
-            <a:pPr marL="119063" indent="-119063">
-              <a:buFont typeface="Arial" pitchFamily="34" charset="0"/>
-              <a:buChar char="•"/>
-            </a:pPr>
-            <a:r>
-              <a:rPr lang="en-US" sz="1050" dirty="0" err="1" smtClean="0"/>
-              <a:t>ProcessActions</a:t>
-            </a:r>
-            <a:endParaRPr lang="en-US" sz="1050" dirty="0" smtClean="0"/>
-          </a:p>
-          <a:p>
-            <a:pPr marL="347663" lvl="1" indent="-119063">
-              <a:buFont typeface="Arial" pitchFamily="34" charset="0"/>
-              <a:buChar char="•"/>
-            </a:pPr>
-            <a:r>
-              <a:rPr lang="en-US" sz="1050" dirty="0" smtClean="0">
-                <a:solidFill>
-                  <a:prstClr val="white"/>
-                </a:solidFill>
-              </a:rPr>
-              <a:t>Urinate</a:t>
-            </a:r>
-            <a:endParaRPr lang="en-US" sz="1050" dirty="0">
-              <a:solidFill>
-                <a:prstClr val="white"/>
-              </a:solidFill>
-            </a:endParaRPr>
-          </a:p>
-        </p:txBody>
-      </p:sp>
-      <p:sp>
-        <p:nvSpPr>
-          <p:cNvPr id="26" name="Rounded Rectangle 25"/>
-          <p:cNvSpPr/>
-          <p:nvPr/>
-        </p:nvSpPr>
-        <p:spPr>
-          <a:xfrm>
-            <a:off x="3304670" y="3322062"/>
-            <a:ext cx="2638930" cy="2316738"/>
-          </a:xfrm>
-          <a:prstGeom prst="roundRect">
-            <a:avLst/>
-          </a:prstGeom>
-        </p:spPr>
-        <p:style>
-          <a:lnRef idx="2">
-            <a:schemeClr val="accent1">
-              <a:shade val="50000"/>
-            </a:schemeClr>
-          </a:lnRef>
-          <a:fillRef idx="1">
-            <a:schemeClr val="accent1"/>
-          </a:fillRef>
-          <a:effectRef idx="0">
-            <a:schemeClr val="accent1"/>
-          </a:effectRef>
-          <a:fontRef idx="minor">
-            <a:schemeClr val="lt1"/>
-          </a:fontRef>
-        </p:style>
-        <p:txBody>
-          <a:bodyPr rtlCol="0" anchor="t" anchorCtr="0"/>
-          <a:lstStyle/>
-          <a:p>
-            <a:pPr algn="ctr"/>
-            <a:r>
-              <a:rPr lang="en-US" sz="1050" b="1" u="sng" dirty="0" smtClean="0">
-                <a:solidFill>
-                  <a:prstClr val="white"/>
-                </a:solidFill>
-              </a:rPr>
-              <a:t>Process</a:t>
-            </a:r>
-          </a:p>
-          <a:p>
-            <a:pPr marL="119063" indent="-119063">
-              <a:buFont typeface="Arial" pitchFamily="34" charset="0"/>
-              <a:buChar char="•"/>
-            </a:pPr>
-            <a:r>
-              <a:rPr lang="en-US" sz="1050" i="1" dirty="0" smtClean="0"/>
-              <a:t>Combined Circuit Solved by Cardiovascular</a:t>
-            </a:r>
-          </a:p>
-          <a:p>
-            <a:pPr marL="119063" indent="-119063">
-              <a:buFont typeface="Arial" pitchFamily="34" charset="0"/>
-              <a:buChar char="•"/>
-            </a:pPr>
-            <a:r>
-              <a:rPr lang="en-US" sz="1050" i="1" dirty="0" smtClean="0"/>
-              <a:t>Generic Transport Done by Cardiovascular</a:t>
-            </a:r>
-          </a:p>
-          <a:p>
-            <a:pPr marL="119063" indent="-119063">
-              <a:buFont typeface="Arial" pitchFamily="34" charset="0"/>
-              <a:buChar char="•"/>
-            </a:pPr>
-            <a:r>
-              <a:rPr lang="en-US" sz="1050" dirty="0" err="1" smtClean="0"/>
-              <a:t>CalculateActiveTransport</a:t>
-            </a:r>
-            <a:endParaRPr lang="en-US" sz="1050" dirty="0" smtClean="0"/>
-          </a:p>
-          <a:p>
-            <a:pPr marL="347663" lvl="1" indent="-119063">
-              <a:buFont typeface="Arial" pitchFamily="34" charset="0"/>
-              <a:buChar char="•"/>
-            </a:pPr>
-            <a:r>
-              <a:rPr lang="en-US" sz="1050" dirty="0" err="1" smtClean="0"/>
-              <a:t>CalculateGlomerularTransport</a:t>
-            </a:r>
-            <a:endParaRPr lang="en-US" sz="1050" dirty="0" smtClean="0"/>
-          </a:p>
-          <a:p>
-            <a:pPr marL="347663" lvl="1" indent="-119063">
-              <a:buFont typeface="Arial" pitchFamily="34" charset="0"/>
-              <a:buChar char="•"/>
-            </a:pPr>
-            <a:r>
-              <a:rPr lang="en-US" sz="1050" dirty="0" err="1" smtClean="0"/>
-              <a:t>CalculateReabsorptionTransport</a:t>
-            </a:r>
-            <a:endParaRPr lang="en-US" sz="1050" dirty="0" smtClean="0"/>
-          </a:p>
-          <a:p>
-            <a:pPr marL="347663" lvl="1" indent="-119063">
-              <a:buFont typeface="Arial" pitchFamily="34" charset="0"/>
-              <a:buChar char="•"/>
-            </a:pPr>
-            <a:r>
-              <a:rPr lang="en-US" sz="1050" dirty="0" err="1" smtClean="0"/>
-              <a:t>CalculateExcretion</a:t>
-            </a:r>
-            <a:endParaRPr lang="en-US" sz="1050" dirty="0" smtClean="0"/>
-          </a:p>
-          <a:p>
-            <a:pPr marL="347663" lvl="1" indent="-119063">
-              <a:buFont typeface="Arial" pitchFamily="34" charset="0"/>
-              <a:buChar char="•"/>
-            </a:pPr>
-            <a:r>
-              <a:rPr lang="en-US" sz="1050" dirty="0" err="1" smtClean="0"/>
-              <a:t>CalculateSecretion</a:t>
-            </a:r>
-            <a:endParaRPr lang="en-US" sz="1050" dirty="0"/>
-          </a:p>
-          <a:p>
-            <a:pPr marL="347663" lvl="1" indent="-119063">
-              <a:buFont typeface="Arial" pitchFamily="34" charset="0"/>
-              <a:buChar char="•"/>
-            </a:pPr>
-            <a:r>
-              <a:rPr lang="en-US" sz="1050" dirty="0" err="1"/>
-              <a:t>CalculateGluconeogenesis</a:t>
-            </a:r>
-            <a:endParaRPr lang="en-US" sz="1050" dirty="0" smtClean="0"/>
-          </a:p>
-          <a:p>
-            <a:pPr marL="347663" lvl="1" indent="-119063">
-              <a:buFont typeface="Arial" pitchFamily="34" charset="0"/>
-              <a:buChar char="•"/>
-            </a:pPr>
-            <a:r>
-              <a:rPr lang="en-US" sz="1050" dirty="0" err="1"/>
-              <a:t>CalculateAutomaticClearance</a:t>
-            </a:r>
-            <a:endParaRPr lang="en-US" sz="1050" dirty="0" smtClean="0"/>
-          </a:p>
-          <a:p>
-            <a:pPr marL="119063" indent="-119063">
-              <a:buFont typeface="Arial" pitchFamily="34" charset="0"/>
-              <a:buChar char="•"/>
-            </a:pPr>
-            <a:r>
-              <a:rPr lang="en-US" sz="1050" dirty="0" err="1"/>
-              <a:t>CalculateVitalSigns</a:t>
-            </a:r>
-            <a:endParaRPr lang="en-US" sz="1050" dirty="0">
-              <a:solidFill>
-                <a:prstClr val="white"/>
-              </a:solidFill>
-            </a:endParaRPr>
-          </a:p>
-        </p:txBody>
-      </p:sp>
-      <p:sp>
-        <p:nvSpPr>
-          <p:cNvPr id="27" name="Rounded Rectangle 26"/>
-          <p:cNvSpPr/>
-          <p:nvPr/>
-        </p:nvSpPr>
-        <p:spPr>
-          <a:xfrm>
-            <a:off x="6565719" y="3952939"/>
-            <a:ext cx="2547179" cy="876062"/>
-          </a:xfrm>
-          <a:prstGeom prst="roundRect">
-            <a:avLst/>
-          </a:prstGeom>
-        </p:spPr>
-        <p:style>
-          <a:lnRef idx="2">
-            <a:schemeClr val="accent1">
-              <a:shade val="50000"/>
-            </a:schemeClr>
-          </a:lnRef>
-          <a:fillRef idx="1">
-            <a:schemeClr val="accent1"/>
-          </a:fillRef>
-          <a:effectRef idx="0">
-            <a:schemeClr val="accent1"/>
-          </a:effectRef>
-          <a:fontRef idx="minor">
-            <a:schemeClr val="lt1"/>
-          </a:fontRef>
-        </p:style>
-        <p:txBody>
-          <a:bodyPr rtlCol="0" anchor="t" anchorCtr="0"/>
-          <a:lstStyle/>
-          <a:p>
-            <a:pPr algn="ctr"/>
-            <a:r>
-              <a:rPr lang="en-US" sz="1050" b="1" u="sng" dirty="0" err="1" smtClean="0">
-                <a:solidFill>
-                  <a:prstClr val="white"/>
-                </a:solidFill>
-              </a:rPr>
-              <a:t>PostProcess</a:t>
-            </a:r>
-            <a:endParaRPr lang="en-US" sz="1050" b="1" u="sng" dirty="0" smtClean="0">
-              <a:solidFill>
-                <a:prstClr val="white"/>
-              </a:solidFill>
-            </a:endParaRPr>
-          </a:p>
-          <a:p>
-            <a:pPr marL="119063" indent="-119063">
-              <a:buFont typeface="Arial" pitchFamily="34" charset="0"/>
-              <a:buChar char="•"/>
-            </a:pPr>
-            <a:r>
-              <a:rPr lang="en-US" sz="1050" i="1" dirty="0" smtClean="0"/>
-              <a:t>Combined Circuit Time Advanced by Cardiovascular</a:t>
-            </a:r>
-          </a:p>
-        </p:txBody>
-      </p:sp>
-      <p:sp>
-        <p:nvSpPr>
-          <p:cNvPr id="28" name="Rounded Rectangle 27"/>
-          <p:cNvSpPr/>
-          <p:nvPr/>
-        </p:nvSpPr>
-        <p:spPr>
-          <a:xfrm>
-            <a:off x="4419600" y="1736495"/>
-            <a:ext cx="2547179" cy="480467"/>
-          </a:xfrm>
-          <a:prstGeom prst="roundRect">
-            <a:avLst/>
-          </a:prstGeom>
-        </p:spPr>
-        <p:style>
-          <a:lnRef idx="2">
-            <a:schemeClr val="accent1">
-              <a:shade val="50000"/>
-            </a:schemeClr>
-          </a:lnRef>
-          <a:fillRef idx="1">
-            <a:schemeClr val="accent1"/>
-          </a:fillRef>
-          <a:effectRef idx="0">
-            <a:schemeClr val="accent1"/>
-          </a:effectRef>
-          <a:fontRef idx="minor">
-            <a:schemeClr val="lt1"/>
-          </a:fontRef>
-        </p:style>
-        <p:txBody>
-          <a:bodyPr rtlCol="0" anchor="t" anchorCtr="0"/>
-          <a:lstStyle/>
-          <a:p>
-            <a:pPr algn="ctr"/>
-            <a:r>
-              <a:rPr lang="en-US" sz="1050" b="1" u="sng" dirty="0" smtClean="0">
-                <a:solidFill>
-                  <a:prstClr val="white"/>
-                </a:solidFill>
-              </a:rPr>
-              <a:t>Assessments</a:t>
-            </a:r>
-          </a:p>
-          <a:p>
-            <a:pPr marL="119063" indent="-119063">
-              <a:buFont typeface="Arial" pitchFamily="34" charset="0"/>
-              <a:buChar char="•"/>
-            </a:pPr>
-            <a:r>
-              <a:rPr lang="en-US" sz="1050" dirty="0" err="1"/>
-              <a:t>CalculateUrinalysis</a:t>
-            </a:r>
-            <a:endParaRPr lang="en-US" sz="1050" dirty="0">
-              <a:solidFill>
-                <a:prstClr val="white"/>
-              </a:solidFill>
-            </a:endParaRPr>
-          </a:p>
-        </p:txBody>
-      </p:sp>
-      <p:sp>
-        <p:nvSpPr>
-          <p:cNvPr id="31" name="Rounded Rectangle 30"/>
-          <p:cNvSpPr/>
-          <p:nvPr/>
-        </p:nvSpPr>
-        <p:spPr>
-          <a:xfrm>
-            <a:off x="32518" y="869196"/>
-            <a:ext cx="2547179" cy="472033"/>
-          </a:xfrm>
-          <a:prstGeom prst="roundRect">
-            <a:avLst/>
-          </a:prstGeom>
-        </p:spPr>
-        <p:style>
-          <a:lnRef idx="2">
-            <a:schemeClr val="accent1">
-              <a:shade val="50000"/>
-            </a:schemeClr>
-          </a:lnRef>
-          <a:fillRef idx="1">
-            <a:schemeClr val="accent1"/>
-          </a:fillRef>
-          <a:effectRef idx="0">
-            <a:schemeClr val="accent1"/>
-          </a:effectRef>
-          <a:fontRef idx="minor">
-            <a:schemeClr val="lt1"/>
-          </a:fontRef>
-        </p:style>
-        <p:txBody>
-          <a:bodyPr rtlCol="0" anchor="t" anchorCtr="0"/>
-          <a:lstStyle/>
-          <a:p>
-            <a:pPr algn="ctr"/>
-            <a:r>
-              <a:rPr lang="en-US" sz="1050" b="1" u="sng" dirty="0" smtClean="0">
-                <a:solidFill>
-                  <a:prstClr val="white"/>
-                </a:solidFill>
-              </a:rPr>
-              <a:t>Initialize</a:t>
-            </a:r>
-            <a:endParaRPr lang="en-US" sz="1050" b="1" u="sng" dirty="0" smtClean="0">
-              <a:solidFill>
-                <a:prstClr val="white"/>
-              </a:solidFill>
-            </a:endParaRPr>
-          </a:p>
-          <a:p>
-            <a:pPr marL="119063" indent="-119063">
-              <a:buFont typeface="Arial" pitchFamily="34" charset="0"/>
-              <a:buChar char="•"/>
-            </a:pPr>
-            <a:r>
-              <a:rPr lang="en-US" sz="1050" dirty="0" err="1"/>
-              <a:t>CalculateFilterability</a:t>
-            </a:r>
-            <a:endParaRPr lang="en-US" sz="1050" dirty="0">
-              <a:solidFill>
-                <a:prstClr val="white"/>
-              </a:solidFill>
-            </a:endParaRPr>
-          </a:p>
-        </p:txBody>
-      </p:sp>
-      <p:sp>
-        <p:nvSpPr>
-          <p:cNvPr id="33" name="Rounded Rectangle 32"/>
-          <p:cNvSpPr/>
-          <p:nvPr/>
-        </p:nvSpPr>
-        <p:spPr>
-          <a:xfrm>
-            <a:off x="43621" y="2057400"/>
-            <a:ext cx="2524974" cy="838200"/>
-          </a:xfrm>
-          <a:prstGeom prst="roundRect">
-            <a:avLst/>
-          </a:prstGeom>
-        </p:spPr>
-        <p:style>
-          <a:lnRef idx="2">
-            <a:schemeClr val="accent1">
-              <a:shade val="50000"/>
-            </a:schemeClr>
-          </a:lnRef>
-          <a:fillRef idx="1">
-            <a:schemeClr val="accent1"/>
-          </a:fillRef>
-          <a:effectRef idx="0">
-            <a:schemeClr val="accent1"/>
-          </a:effectRef>
-          <a:fontRef idx="minor">
-            <a:schemeClr val="lt1"/>
-          </a:fontRef>
-        </p:style>
-        <p:txBody>
-          <a:bodyPr rtlCol="0" anchor="t" anchorCtr="0"/>
-          <a:lstStyle/>
-          <a:p>
-            <a:pPr algn="ctr"/>
-            <a:r>
-              <a:rPr lang="en-US" sz="1050" b="1" u="sng" dirty="0" smtClean="0">
-                <a:solidFill>
-                  <a:prstClr val="white"/>
-                </a:solidFill>
-              </a:rPr>
-              <a:t>Conditions</a:t>
-            </a:r>
-            <a:endParaRPr lang="en-US" sz="1050" b="1" u="sng" dirty="0" smtClean="0">
-              <a:solidFill>
-                <a:prstClr val="white"/>
-              </a:solidFill>
-            </a:endParaRPr>
-          </a:p>
-          <a:p>
-            <a:pPr indent="-223837">
-              <a:buFont typeface="Arial" pitchFamily="34" charset="0"/>
-              <a:buChar char="•"/>
-            </a:pPr>
-            <a:r>
-              <a:rPr lang="en-US" sz="1050" i="1" dirty="0" smtClean="0"/>
-              <a:t>No </a:t>
-            </a:r>
-            <a:r>
-              <a:rPr lang="en-US" sz="1050" i="1" dirty="0" err="1" smtClean="0"/>
-              <a:t>UpdateBladderVolume</a:t>
-            </a:r>
-            <a:endParaRPr lang="en-US" sz="1050" dirty="0" smtClean="0">
-              <a:solidFill>
-                <a:prstClr val="white"/>
-              </a:solidFill>
-            </a:endParaRPr>
-          </a:p>
-          <a:p>
-            <a:pPr indent="-223837">
-              <a:buFont typeface="Arial" pitchFamily="34" charset="0"/>
-              <a:buChar char="•"/>
-            </a:pPr>
-            <a:r>
-              <a:rPr lang="en-US" sz="1050" dirty="0" err="1" smtClean="0">
-                <a:solidFill>
-                  <a:prstClr val="white"/>
-                </a:solidFill>
-              </a:rPr>
-              <a:t>ConsumeMeal</a:t>
-            </a:r>
-            <a:endParaRPr lang="en-US" sz="1050" dirty="0" smtClean="0">
-              <a:solidFill>
-                <a:prstClr val="white"/>
-              </a:solidFill>
-            </a:endParaRPr>
-          </a:p>
-          <a:p>
-            <a:pPr indent="-223837">
-              <a:buFont typeface="Arial" pitchFamily="34" charset="0"/>
-              <a:buChar char="•"/>
-            </a:pPr>
-            <a:r>
-              <a:rPr lang="en-US" sz="1050" dirty="0" err="1" smtClean="0">
-                <a:solidFill>
-                  <a:prstClr val="white"/>
-                </a:solidFill>
-              </a:rPr>
-              <a:t>RenalStenosis</a:t>
-            </a:r>
-            <a:endParaRPr lang="en-US" sz="1050" dirty="0">
-              <a:solidFill>
-                <a:prstClr val="white"/>
-              </a:solidFill>
-            </a:endParaRPr>
-          </a:p>
-        </p:txBody>
-      </p:sp>
-      <p:sp>
-        <p:nvSpPr>
-          <p:cNvPr id="34" name="Down Arrow 33"/>
-          <p:cNvSpPr/>
-          <p:nvPr/>
-        </p:nvSpPr>
-        <p:spPr>
-          <a:xfrm rot="16200000">
-            <a:off x="6020602" y="4124271"/>
-            <a:ext cx="486640" cy="533400"/>
-          </a:xfrm>
-          <a:prstGeom prst="downArrow">
-            <a:avLst/>
-          </a:prstGeom>
-        </p:spPr>
-        <p:style>
-          <a:lnRef idx="2">
-            <a:schemeClr val="dk1">
-              <a:shade val="50000"/>
-            </a:schemeClr>
-          </a:lnRef>
-          <a:fillRef idx="1">
-            <a:schemeClr val="dk1"/>
-          </a:fillRef>
-          <a:effectRef idx="0">
-            <a:schemeClr val="dk1"/>
-          </a:effectRef>
-          <a:fontRef idx="minor">
-            <a:schemeClr val="lt1"/>
-          </a:fontRef>
-        </p:style>
-        <p:txBody>
-          <a:bodyPr rtlCol="0" anchor="ctr"/>
-          <a:lstStyle/>
-          <a:p>
-            <a:pPr algn="ctr"/>
-            <a:endParaRPr lang="en-US">
-              <a:solidFill>
-                <a:prstClr val="white"/>
-              </a:solidFill>
-            </a:endParaRPr>
-          </a:p>
-        </p:txBody>
-      </p:sp>
-      <p:sp>
-        <p:nvSpPr>
-          <p:cNvPr id="35" name="Down Arrow 34"/>
-          <p:cNvSpPr/>
-          <p:nvPr/>
-        </p:nvSpPr>
-        <p:spPr>
-          <a:xfrm>
-            <a:off x="1062788" y="2960137"/>
-            <a:ext cx="486640" cy="533400"/>
-          </a:xfrm>
-          <a:prstGeom prst="downArrow">
-            <a:avLst/>
-          </a:prstGeom>
-        </p:spPr>
-        <p:style>
-          <a:lnRef idx="2">
-            <a:schemeClr val="dk1">
-              <a:shade val="50000"/>
-            </a:schemeClr>
-          </a:lnRef>
-          <a:fillRef idx="1">
-            <a:schemeClr val="dk1"/>
-          </a:fillRef>
-          <a:effectRef idx="0">
-            <a:schemeClr val="dk1"/>
-          </a:effectRef>
-          <a:fontRef idx="minor">
-            <a:schemeClr val="lt1"/>
-          </a:fontRef>
-        </p:style>
-        <p:txBody>
-          <a:bodyPr rtlCol="0" anchor="ctr"/>
-          <a:lstStyle/>
-          <a:p>
-            <a:pPr algn="ctr"/>
-            <a:endParaRPr lang="en-US">
-              <a:solidFill>
-                <a:prstClr val="white"/>
-              </a:solidFill>
-            </a:endParaRPr>
-          </a:p>
-        </p:txBody>
-      </p:sp>
-      <p:sp>
-        <p:nvSpPr>
-          <p:cNvPr id="36" name="Down Arrow 35"/>
-          <p:cNvSpPr/>
-          <p:nvPr/>
-        </p:nvSpPr>
-        <p:spPr>
-          <a:xfrm>
-            <a:off x="1062788" y="1443328"/>
-            <a:ext cx="486640" cy="533400"/>
-          </a:xfrm>
-          <a:prstGeom prst="downArrow">
-            <a:avLst/>
-          </a:prstGeom>
-        </p:spPr>
-        <p:style>
-          <a:lnRef idx="2">
-            <a:schemeClr val="dk1">
-              <a:shade val="50000"/>
-            </a:schemeClr>
-          </a:lnRef>
-          <a:fillRef idx="1">
-            <a:schemeClr val="dk1"/>
-          </a:fillRef>
-          <a:effectRef idx="0">
-            <a:schemeClr val="dk1"/>
-          </a:effectRef>
-          <a:fontRef idx="minor">
-            <a:schemeClr val="lt1"/>
-          </a:fontRef>
-        </p:style>
-        <p:txBody>
-          <a:bodyPr rtlCol="0" anchor="ctr"/>
-          <a:lstStyle/>
-          <a:p>
-            <a:pPr algn="ctr"/>
-            <a:endParaRPr lang="en-US">
-              <a:solidFill>
-                <a:prstClr val="white"/>
-              </a:solidFill>
-            </a:endParaRPr>
-          </a:p>
-        </p:txBody>
-      </p:sp>
-      <p:sp>
-        <p:nvSpPr>
-          <p:cNvPr id="2" name="U-Turn Arrow 1"/>
-          <p:cNvSpPr/>
-          <p:nvPr/>
-        </p:nvSpPr>
-        <p:spPr>
-          <a:xfrm rot="10800000">
-            <a:off x="1062788" y="5333999"/>
-            <a:ext cx="6938212" cy="1066800"/>
-          </a:xfrm>
-          <a:prstGeom prst="uturnArrow">
-            <a:avLst>
-              <a:gd name="adj1" fmla="val 25000"/>
-              <a:gd name="adj2" fmla="val 25000"/>
-              <a:gd name="adj3" fmla="val 25000"/>
-              <a:gd name="adj4" fmla="val 45866"/>
-              <a:gd name="adj5" fmla="val 75000"/>
-            </a:avLst>
-          </a:prstGeom>
-        </p:spPr>
-        <p:style>
-          <a:lnRef idx="2">
-            <a:schemeClr val="dk1">
-              <a:shade val="50000"/>
-            </a:schemeClr>
-          </a:lnRef>
-          <a:fillRef idx="1">
-            <a:schemeClr val="dk1"/>
-          </a:fillRef>
-          <a:effectRef idx="0">
-            <a:schemeClr val="dk1"/>
-          </a:effectRef>
-          <a:fontRef idx="minor">
-            <a:schemeClr val="lt1"/>
-          </a:fontRef>
-        </p:style>
-        <p:txBody>
-          <a:bodyPr rtlCol="0" anchor="ctr"/>
-          <a:lstStyle/>
-          <a:p>
-            <a:pPr algn="ctr"/>
-            <a:endParaRPr lang="en-US">
-              <a:solidFill>
-                <a:prstClr val="white"/>
-              </a:solidFill>
-            </a:endParaRPr>
-          </a:p>
-        </p:txBody>
-      </p:sp>
-    </p:spTree>
-    <p:extLst>
-      <p:ext uri="{BB962C8B-B14F-4D97-AF65-F5344CB8AC3E}">
-        <p14:creationId xmlns:p14="http://schemas.microsoft.com/office/powerpoint/2010/main" val="968752141"/>
-      </p:ext>
-    </p:extLst>
-  </p:cSld>
-  <p:clrMapOvr>
-    <a:masterClrMapping/>
-  </p:clrMapOvr>
-  <p:timing>
-    <p:tnLst>
-      <p:par>
-        <p:cTn id="1" dur="indefinite" restart="never" nodeType="tmRoot"/>
-      </p:par>
-    </p:tnLst>
-  </p:timing>
-</p:sld>
-</file>
-
-<file path=ppt/slides/slide10.xml><?xml version="1.0" encoding="utf-8"?>
-<p:sld xmlns:a="http://schemas.openxmlformats.org/drawingml/2006/main" xmlns:r="http://schemas.openxmlformats.org/officeDocument/2006/relationships" xmlns:p="http://schemas.openxmlformats.org/presentationml/2006/main">
-  <p:cSld>
-    <p:spTree>
-      <p:nvGrpSpPr>
-        <p:cNvPr id="1" name=""/>
-        <p:cNvGrpSpPr/>
-        <p:nvPr/>
-      </p:nvGrpSpPr>
-      <p:grpSpPr>
-        <a:xfrm>
-          <a:off x="0" y="0"/>
-          <a:ext cx="0" cy="0"/>
-          <a:chOff x="0" y="0"/>
-          <a:chExt cx="0" cy="0"/>
-        </a:xfrm>
-      </p:grpSpPr>
       <p:pic>
         <p:nvPicPr>
-          <p:cNvPr id="5122" name="Picture 2"/>
+          <p:cNvPr id="2" name="Picture 2" descr="File:Physiology of Nephron.png"/>
           <p:cNvPicPr>
             <a:picLocks noChangeAspect="1" noChangeArrowheads="1"/>
           </p:cNvPicPr>
           <p:nvPr/>
         </p:nvPicPr>
         <p:blipFill>
-          <a:blip r:embed="rId2" cstate="print">
+          <a:blip r:embed="rId2">
             <a:extLst>
               <a:ext uri="{28A0092B-C50C-407E-A947-70E740481C1C}">
                 <a14:useLocalDpi xmlns:a14="http://schemas.microsoft.com/office/drawing/2010/main" val="0"/>
@@ -7096,115 +6044,56 @@
         </p:blipFill>
         <p:spPr bwMode="auto">
           <a:xfrm>
-            <a:off x="1337054" y="1424046"/>
-            <a:ext cx="2091945" cy="2769202"/>
+            <a:off x="3564970" y="914401"/>
+            <a:ext cx="2154174" cy="2514600"/>
           </a:xfrm>
           <a:prstGeom prst="rect">
             <a:avLst/>
           </a:prstGeom>
           <a:noFill/>
-          <a:ln>
-            <a:noFill/>
-          </a:ln>
-          <a:effectLst/>
           <a:extLst>
             <a:ext uri="{909E8E84-426E-40DD-AFC4-6F175D3DCCD1}">
               <a14:hiddenFill xmlns:a14="http://schemas.microsoft.com/office/drawing/2010/main">
                 <a:solidFill>
-                  <a:schemeClr val="accent1"/>
+                  <a:srgbClr val="FFFFFF"/>
                 </a:solidFill>
               </a14:hiddenFill>
             </a:ext>
-            <a:ext uri="{91240B29-F687-4F45-9708-019B960494DF}">
-              <a14:hiddenLine xmlns:a14="http://schemas.microsoft.com/office/drawing/2010/main" w="9525">
-                <a:solidFill>
-                  <a:schemeClr val="tx1"/>
-                </a:solidFill>
-                <a:miter lim="800000"/>
-                <a:headEnd/>
-                <a:tailEnd/>
-              </a14:hiddenLine>
-            </a:ext>
-            <a:ext uri="{AF507438-7753-43E0-B8FC-AC1667EBCBE1}">
-              <a14:hiddenEffects xmlns:a14="http://schemas.microsoft.com/office/drawing/2010/main">
-                <a:effectLst>
-                  <a:outerShdw dist="35921" dir="2700000" algn="ctr" rotWithShape="0">
-                    <a:schemeClr val="bg2"/>
-                  </a:outerShdw>
-                </a:effectLst>
-              </a14:hiddenEffects>
-            </a:ext>
           </a:extLst>
         </p:spPr>
       </p:pic>
-      <p:pic>
-        <p:nvPicPr>
-          <p:cNvPr id="5123" name="Picture 3"/>
-          <p:cNvPicPr>
-            <a:picLocks noChangeAspect="1" noChangeArrowheads="1"/>
-          </p:cNvPicPr>
+      <p:sp>
+        <p:nvSpPr>
+          <p:cNvPr id="3" name="Rectangle 2"/>
+          <p:cNvSpPr/>
           <p:nvPr/>
-        </p:nvPicPr>
-        <p:blipFill>
-          <a:blip r:embed="rId3" cstate="print">
-            <a:extLst>
-              <a:ext uri="{28A0092B-C50C-407E-A947-70E740481C1C}">
-                <a14:useLocalDpi xmlns:a14="http://schemas.microsoft.com/office/drawing/2010/main" val="0"/>
-              </a:ext>
-            </a:extLst>
-          </a:blip>
-          <a:srcRect/>
-          <a:stretch>
-            <a:fillRect/>
-          </a:stretch>
-        </p:blipFill>
-        <p:spPr bwMode="auto">
-          <a:xfrm>
-            <a:off x="5564536" y="1424043"/>
-            <a:ext cx="2369850" cy="2769203"/>
+        </p:nvSpPr>
+        <p:spPr>
+          <a:xfrm>
+            <a:off x="2438400" y="5334000"/>
+            <a:ext cx="2937053" cy="200055"/>
           </a:xfrm>
           <a:prstGeom prst="rect">
             <a:avLst/>
           </a:prstGeom>
-          <a:noFill/>
-          <a:ln>
-            <a:noFill/>
-          </a:ln>
-          <a:effectLst/>
-          <a:extLst>
-            <a:ext uri="{909E8E84-426E-40DD-AFC4-6F175D3DCCD1}">
-              <a14:hiddenFill xmlns:a14="http://schemas.microsoft.com/office/drawing/2010/main">
-                <a:solidFill>
-                  <a:schemeClr val="accent1"/>
-                </a:solidFill>
-              </a14:hiddenFill>
-            </a:ext>
-            <a:ext uri="{91240B29-F687-4F45-9708-019B960494DF}">
-              <a14:hiddenLine xmlns:a14="http://schemas.microsoft.com/office/drawing/2010/main" w="9525">
-                <a:solidFill>
-                  <a:schemeClr val="tx1"/>
-                </a:solidFill>
-                <a:miter lim="800000"/>
-                <a:headEnd/>
-                <a:tailEnd/>
-              </a14:hiddenLine>
-            </a:ext>
-            <a:ext uri="{AF507438-7753-43E0-B8FC-AC1667EBCBE1}">
-              <a14:hiddenEffects xmlns:a14="http://schemas.microsoft.com/office/drawing/2010/main">
-                <a:effectLst>
-                  <a:outerShdw dist="35921" dir="2700000" algn="ctr" rotWithShape="0">
-                    <a:schemeClr val="bg2"/>
-                  </a:outerShdw>
-                </a:effectLst>
-              </a14:hiddenEffects>
-            </a:ext>
-          </a:extLst>
-        </p:spPr>
-      </p:pic>
+        </p:spPr>
+        <p:txBody>
+          <a:bodyPr wrap="square">
+            <a:spAutoFit/>
+          </a:bodyPr>
+          <a:lstStyle/>
+          <a:p>
+            <a:r>
+              <a:rPr lang="en-US" sz="700" i="1" dirty="0"/>
+              <a:t>https://commons.wikimedia.org/wiki/File:Physiology_of_Nephron.png</a:t>
+            </a:r>
+          </a:p>
+        </p:txBody>
+      </p:sp>
     </p:spTree>
     <p:extLst>
       <p:ext uri="{BB962C8B-B14F-4D97-AF65-F5344CB8AC3E}">
-        <p14:creationId xmlns:p14="http://schemas.microsoft.com/office/powerpoint/2010/main" val="736874386"/>
+        <p14:creationId xmlns:p14="http://schemas.microsoft.com/office/powerpoint/2010/main" val="1533611463"/>
       </p:ext>
     </p:extLst>
   </p:cSld>
@@ -7214,7 +6103,7 @@
 </p:sld>
 </file>
 
-<file path=ppt/slides/slide11.xml><?xml version="1.0" encoding="utf-8"?>
+<file path=ppt/slides/slide10.xml><?xml version="1.0" encoding="utf-8"?>
 <p:sld xmlns:a="http://schemas.openxmlformats.org/drawingml/2006/main" xmlns:r="http://schemas.openxmlformats.org/officeDocument/2006/relationships" xmlns:p="http://schemas.openxmlformats.org/presentationml/2006/main">
   <p:cSld>
     <p:spTree>
@@ -7411,13 +6300,8 @@
           <a:p>
             <a:r>
               <a:rPr lang="en-US" sz="700" i="1" dirty="0"/>
-              <a:t>Guyton &amp; </a:t>
-            </a:r>
-            <a:r>
-              <a:rPr lang="en-US" sz="700" i="1" dirty="0" smtClean="0"/>
-              <a:t>Tanner (2 references)</a:t>
-            </a:r>
-            <a:endParaRPr lang="en-US" sz="700" i="1" dirty="0"/>
+              <a:t>Guyton &amp; Tanner (2 references)</a:t>
+            </a:r>
           </a:p>
         </p:txBody>
       </p:sp>
@@ -7444,15 +6328,15 @@
           <a:lstStyle/>
           <a:p>
             <a:r>
-              <a:rPr lang="en-US" sz="1100" dirty="0" smtClean="0"/>
+              <a:rPr lang="en-US" sz="1100" dirty="0"/>
               <a:t>Note: Dog data, but widely accepted for humans (Guyton &amp; </a:t>
             </a:r>
             <a:r>
-              <a:rPr lang="en-US" sz="1100" dirty="0" err="1" smtClean="0"/>
+              <a:rPr lang="en-US" sz="1100" dirty="0" err="1"/>
               <a:t>Valtin</a:t>
             </a:r>
             <a:r>
-              <a:rPr lang="en-US" sz="1100" dirty="0" smtClean="0"/>
+              <a:rPr lang="en-US" sz="1100" dirty="0"/>
               <a:t>)</a:t>
             </a:r>
           </a:p>
@@ -7472,105 +6356,6 @@
 </file>
 
 <file path=ppt/slides/slide2.xml><?xml version="1.0" encoding="utf-8"?>
-<p:sld xmlns:a="http://schemas.openxmlformats.org/drawingml/2006/main" xmlns:r="http://schemas.openxmlformats.org/officeDocument/2006/relationships" xmlns:p="http://schemas.openxmlformats.org/presentationml/2006/main">
-  <p:cSld>
-    <p:spTree>
-      <p:nvGrpSpPr>
-        <p:cNvPr id="1" name=""/>
-        <p:cNvGrpSpPr/>
-        <p:nvPr/>
-      </p:nvGrpSpPr>
-      <p:grpSpPr>
-        <a:xfrm>
-          <a:off x="0" y="0"/>
-          <a:ext cx="0" cy="0"/>
-          <a:chOff x="0" y="0"/>
-          <a:chExt cx="0" cy="0"/>
-        </a:xfrm>
-      </p:grpSpPr>
-      <p:pic>
-        <p:nvPicPr>
-          <p:cNvPr id="2" name="Picture 2" descr="File:Physiology of Nephron.png"/>
-          <p:cNvPicPr>
-            <a:picLocks noChangeAspect="1" noChangeArrowheads="1"/>
-          </p:cNvPicPr>
-          <p:nvPr/>
-        </p:nvPicPr>
-        <p:blipFill>
-          <a:blip r:embed="rId2">
-            <a:extLst>
-              <a:ext uri="{28A0092B-C50C-407E-A947-70E740481C1C}">
-                <a14:useLocalDpi xmlns:a14="http://schemas.microsoft.com/office/drawing/2010/main" val="0"/>
-              </a:ext>
-            </a:extLst>
-          </a:blip>
-          <a:srcRect/>
-          <a:stretch>
-            <a:fillRect/>
-          </a:stretch>
-        </p:blipFill>
-        <p:spPr bwMode="auto">
-          <a:xfrm>
-            <a:off x="3564970" y="914401"/>
-            <a:ext cx="2154174" cy="2514600"/>
-          </a:xfrm>
-          <a:prstGeom prst="rect">
-            <a:avLst/>
-          </a:prstGeom>
-          <a:noFill/>
-          <a:extLst>
-            <a:ext uri="{909E8E84-426E-40DD-AFC4-6F175D3DCCD1}">
-              <a14:hiddenFill xmlns:a14="http://schemas.microsoft.com/office/drawing/2010/main">
-                <a:solidFill>
-                  <a:srgbClr val="FFFFFF"/>
-                </a:solidFill>
-              </a14:hiddenFill>
-            </a:ext>
-          </a:extLst>
-        </p:spPr>
-      </p:pic>
-      <p:sp>
-        <p:nvSpPr>
-          <p:cNvPr id="3" name="Rectangle 2"/>
-          <p:cNvSpPr/>
-          <p:nvPr/>
-        </p:nvSpPr>
-        <p:spPr>
-          <a:xfrm>
-            <a:off x="2438400" y="5334000"/>
-            <a:ext cx="2937053" cy="200055"/>
-          </a:xfrm>
-          <a:prstGeom prst="rect">
-            <a:avLst/>
-          </a:prstGeom>
-        </p:spPr>
-        <p:txBody>
-          <a:bodyPr wrap="square">
-            <a:spAutoFit/>
-          </a:bodyPr>
-          <a:lstStyle/>
-          <a:p>
-            <a:r>
-              <a:rPr lang="en-US" sz="700" i="1" dirty="0"/>
-              <a:t>https://commons.wikimedia.org/wiki/File:Physiology_of_Nephron.png</a:t>
-            </a:r>
-          </a:p>
-        </p:txBody>
-      </p:sp>
-    </p:spTree>
-    <p:extLst>
-      <p:ext uri="{BB962C8B-B14F-4D97-AF65-F5344CB8AC3E}">
-        <p14:creationId xmlns:p14="http://schemas.microsoft.com/office/powerpoint/2010/main" val="1533611463"/>
-      </p:ext>
-    </p:extLst>
-  </p:cSld>
-  <p:clrMapOvr>
-    <a:masterClrMapping/>
-  </p:clrMapOvr>
-</p:sld>
-</file>
-
-<file path=ppt/slides/slide3.xml><?xml version="1.0" encoding="utf-8"?>
 <p:sld xmlns:a="http://schemas.openxmlformats.org/drawingml/2006/main" xmlns:r="http://schemas.openxmlformats.org/officeDocument/2006/relationships" xmlns:p="http://schemas.openxmlformats.org/presentationml/2006/main">
   <p:cSld>
     <p:spTree>
@@ -8196,10 +6981,9 @@
           <a:lstStyle/>
           <a:p>
             <a:r>
-              <a:rPr lang="en-US" sz="1000" b="1" dirty="0" smtClean="0"/>
+              <a:rPr lang="en-US" sz="1000" b="1" dirty="0"/>
               <a:t>Blood</a:t>
             </a:r>
-            <a:endParaRPr lang="en-US" sz="1000" b="1" dirty="0"/>
           </a:p>
         </p:txBody>
       </p:sp>
@@ -8226,10 +7010,9 @@
           <a:lstStyle/>
           <a:p>
             <a:r>
-              <a:rPr lang="en-US" sz="1000" b="1" dirty="0" smtClean="0"/>
+              <a:rPr lang="en-US" sz="1000" b="1" dirty="0"/>
               <a:t>Urine</a:t>
             </a:r>
-            <a:endParaRPr lang="en-US" sz="1000" b="1" dirty="0"/>
           </a:p>
         </p:txBody>
       </p:sp>
@@ -8293,7 +7076,7 @@
           <a:lstStyle/>
           <a:p>
             <a:r>
-              <a:rPr lang="en-US" b="1" dirty="0" smtClean="0">
+              <a:rPr lang="en-US" b="1" dirty="0">
                 <a:solidFill>
                   <a:srgbClr val="0070C0"/>
                 </a:solidFill>
@@ -8301,14 +7084,13 @@
               <a:t>T</a:t>
             </a:r>
             <a:r>
-              <a:rPr lang="en-US" dirty="0" smtClean="0"/>
+              <a:rPr lang="en-US" dirty="0"/>
               <a:t> = </a:t>
             </a:r>
             <a:r>
-              <a:rPr lang="en-US" sz="1100" dirty="0" smtClean="0"/>
+              <a:rPr lang="en-US" sz="1100" dirty="0"/>
               <a:t>Manual (i.e. active) transport; all others generic (i.e. passive)</a:t>
             </a:r>
-            <a:endParaRPr lang="en-US" sz="1100" dirty="0"/>
           </a:p>
         </p:txBody>
       </p:sp>
@@ -8335,18 +7117,13 @@
           <a:lstStyle/>
           <a:p>
             <a:r>
-              <a:rPr lang="en-US" b="1" dirty="0" smtClean="0">
+              <a:rPr lang="en-US" b="1" dirty="0">
                 <a:solidFill>
                   <a:srgbClr val="0070C0"/>
                 </a:solidFill>
               </a:rPr>
               <a:t>T</a:t>
             </a:r>
-            <a:endParaRPr lang="en-US" b="1" dirty="0">
-              <a:solidFill>
-                <a:srgbClr val="0070C0"/>
-              </a:solidFill>
-            </a:endParaRPr>
           </a:p>
         </p:txBody>
       </p:sp>
@@ -8373,18 +7150,13 @@
           <a:lstStyle/>
           <a:p>
             <a:r>
-              <a:rPr lang="en-US" b="1" dirty="0" smtClean="0">
+              <a:rPr lang="en-US" b="1" dirty="0">
                 <a:solidFill>
                   <a:srgbClr val="0070C0"/>
                 </a:solidFill>
               </a:rPr>
               <a:t>T</a:t>
             </a:r>
-            <a:endParaRPr lang="en-US" b="1" dirty="0">
-              <a:solidFill>
-                <a:srgbClr val="0070C0"/>
-              </a:solidFill>
-            </a:endParaRPr>
           </a:p>
         </p:txBody>
       </p:sp>
@@ -8411,18 +7183,13 @@
           <a:lstStyle/>
           <a:p>
             <a:r>
-              <a:rPr lang="en-US" b="1" dirty="0" smtClean="0">
+              <a:rPr lang="en-US" b="1" dirty="0">
                 <a:solidFill>
                   <a:srgbClr val="0070C0"/>
                 </a:solidFill>
               </a:rPr>
               <a:t>T</a:t>
             </a:r>
-            <a:endParaRPr lang="en-US" b="1" dirty="0">
-              <a:solidFill>
-                <a:srgbClr val="0070C0"/>
-              </a:solidFill>
-            </a:endParaRPr>
           </a:p>
         </p:txBody>
       </p:sp>
@@ -8449,18 +7216,13 @@
           <a:lstStyle/>
           <a:p>
             <a:r>
-              <a:rPr lang="en-US" b="1" dirty="0" smtClean="0">
+              <a:rPr lang="en-US" b="1" dirty="0">
                 <a:solidFill>
                   <a:srgbClr val="0070C0"/>
                 </a:solidFill>
               </a:rPr>
               <a:t>T</a:t>
             </a:r>
-            <a:endParaRPr lang="en-US" b="1" dirty="0">
-              <a:solidFill>
-                <a:srgbClr val="0070C0"/>
-              </a:solidFill>
-            </a:endParaRPr>
           </a:p>
         </p:txBody>
       </p:sp>
@@ -8625,7 +7387,7 @@
           <a:lstStyle/>
           <a:p>
             <a:r>
-              <a:rPr lang="en-US" sz="1000" b="1" dirty="0" smtClean="0"/>
+              <a:rPr lang="en-US" sz="1000" b="1" dirty="0"/>
               <a:t>Filtration</a:t>
             </a:r>
             <a:endParaRPr lang="en-US" sz="1050" b="1" dirty="0"/>
@@ -8655,10 +7417,9 @@
           <a:lstStyle/>
           <a:p>
             <a:r>
-              <a:rPr lang="en-US" sz="1000" b="1" dirty="0" smtClean="0"/>
+              <a:rPr lang="en-US" sz="1000" b="1" dirty="0"/>
               <a:t>Reabsorption</a:t>
             </a:r>
-            <a:endParaRPr lang="en-US" sz="1000" b="1" dirty="0"/>
           </a:p>
         </p:txBody>
       </p:sp>
@@ -8685,10 +7446,9 @@
           <a:lstStyle/>
           <a:p>
             <a:r>
-              <a:rPr lang="en-US" sz="1000" b="1" dirty="0" smtClean="0"/>
+              <a:rPr lang="en-US" sz="1000" b="1" dirty="0"/>
               <a:t>Excretion</a:t>
             </a:r>
-            <a:endParaRPr lang="en-US" sz="1000" b="1" dirty="0"/>
           </a:p>
         </p:txBody>
       </p:sp>
@@ -8751,7 +7511,7 @@
 </p:sld>
 </file>
 
-<file path=ppt/slides/slide4.xml><?xml version="1.0" encoding="utf-8"?>
+<file path=ppt/slides/slide3.xml><?xml version="1.0" encoding="utf-8"?>
 <p:sld xmlns:a="http://schemas.openxmlformats.org/drawingml/2006/main" xmlns:r="http://schemas.openxmlformats.org/officeDocument/2006/relationships" xmlns:p="http://schemas.openxmlformats.org/presentationml/2006/main">
   <p:cSld>
     <p:spTree>
@@ -8845,7 +7605,7 @@
 </p:sld>
 </file>
 
-<file path=ppt/slides/slide5.xml><?xml version="1.0" encoding="utf-8"?>
+<file path=ppt/slides/slide4.xml><?xml version="1.0" encoding="utf-8"?>
 <p:sld xmlns:a="http://schemas.openxmlformats.org/drawingml/2006/main" xmlns:r="http://schemas.openxmlformats.org/officeDocument/2006/relationships" xmlns:p="http://schemas.openxmlformats.org/presentationml/2006/main">
   <p:cSld>
     <p:spTree>
@@ -8939,10 +7699,9 @@
           <a:p>
             <a:pPr algn="ctr"/>
             <a:r>
-              <a:rPr lang="en-US" dirty="0" smtClean="0"/>
+              <a:rPr lang="en-US" dirty="0"/>
               <a:t>1</a:t>
             </a:r>
-            <a:endParaRPr lang="en-US" dirty="0"/>
           </a:p>
         </p:txBody>
       </p:sp>
@@ -8983,10 +7742,9 @@
           <a:p>
             <a:pPr algn="ctr"/>
             <a:r>
-              <a:rPr lang="en-US" dirty="0" smtClean="0"/>
+              <a:rPr lang="en-US" dirty="0"/>
               <a:t>2</a:t>
             </a:r>
-            <a:endParaRPr lang="en-US" dirty="0"/>
           </a:p>
         </p:txBody>
       </p:sp>
@@ -9027,10 +7785,9 @@
           <a:p>
             <a:pPr algn="ctr"/>
             <a:r>
-              <a:rPr lang="en-US" dirty="0" smtClean="0"/>
+              <a:rPr lang="en-US" dirty="0"/>
               <a:t>3</a:t>
             </a:r>
-            <a:endParaRPr lang="en-US" dirty="0"/>
           </a:p>
         </p:txBody>
       </p:sp>
@@ -9071,10 +7828,9 @@
           <a:p>
             <a:pPr algn="ctr"/>
             <a:r>
-              <a:rPr lang="en-US" dirty="0" smtClean="0"/>
+              <a:rPr lang="en-US" dirty="0"/>
               <a:t>4</a:t>
             </a:r>
-            <a:endParaRPr lang="en-US" dirty="0"/>
           </a:p>
         </p:txBody>
       </p:sp>
@@ -9115,10 +7871,9 @@
           <a:p>
             <a:pPr algn="ctr"/>
             <a:r>
-              <a:rPr lang="en-US" dirty="0" smtClean="0"/>
+              <a:rPr lang="en-US" dirty="0"/>
               <a:t>5</a:t>
             </a:r>
-            <a:endParaRPr lang="en-US" dirty="0"/>
           </a:p>
         </p:txBody>
       </p:sp>
@@ -9159,10 +7914,9 @@
           <a:p>
             <a:pPr algn="ctr"/>
             <a:r>
-              <a:rPr lang="en-US" dirty="0" smtClean="0"/>
+              <a:rPr lang="en-US" dirty="0"/>
               <a:t>6</a:t>
             </a:r>
-            <a:endParaRPr lang="en-US" dirty="0"/>
           </a:p>
         </p:txBody>
       </p:sp>
@@ -9203,10 +7957,9 @@
           <a:p>
             <a:pPr algn="ctr"/>
             <a:r>
-              <a:rPr lang="en-US" dirty="0" smtClean="0"/>
+              <a:rPr lang="en-US" dirty="0"/>
               <a:t>7</a:t>
             </a:r>
-            <a:endParaRPr lang="en-US" dirty="0"/>
           </a:p>
         </p:txBody>
       </p:sp>
@@ -9290,10 +8043,9 @@
           <a:p>
             <a:pPr algn="ctr"/>
             <a:r>
-              <a:rPr lang="en-US" dirty="0" smtClean="0"/>
+              <a:rPr lang="en-US" dirty="0"/>
               <a:t>9</a:t>
             </a:r>
-            <a:endParaRPr lang="en-US" dirty="0"/>
           </a:p>
         </p:txBody>
       </p:sp>
@@ -9665,10 +8417,9 @@
           </a:lstStyle>
           <a:p>
             <a:r>
-              <a:rPr lang="en-US" dirty="0" smtClean="0"/>
+              <a:rPr lang="en-US" dirty="0"/>
               <a:t>12</a:t>
             </a:r>
-            <a:endParaRPr lang="en-US" dirty="0"/>
           </a:p>
         </p:txBody>
       </p:sp>
@@ -9793,10 +8544,9 @@
           </a:lstStyle>
           <a:p>
             <a:r>
-              <a:rPr lang="en-US" dirty="0" smtClean="0"/>
+              <a:rPr lang="en-US" dirty="0"/>
               <a:t>10</a:t>
             </a:r>
-            <a:endParaRPr lang="en-US" dirty="0"/>
           </a:p>
         </p:txBody>
       </p:sp>
@@ -9813,7 +8563,7 @@
 </p:sld>
 </file>
 
-<file path=ppt/slides/slide6.xml><?xml version="1.0" encoding="utf-8"?>
+<file path=ppt/slides/slide5.xml><?xml version="1.0" encoding="utf-8"?>
 <p:sld xmlns:a="http://schemas.openxmlformats.org/drawingml/2006/main" xmlns:r="http://schemas.openxmlformats.org/officeDocument/2006/relationships" xmlns:p="http://schemas.openxmlformats.org/presentationml/2006/main">
   <p:cSld>
     <p:spTree>
@@ -9907,10 +8657,9 @@
           <a:p>
             <a:pPr algn="ctr"/>
             <a:r>
-              <a:rPr lang="en-US" dirty="0" smtClean="0"/>
+              <a:rPr lang="en-US" dirty="0"/>
               <a:t>1</a:t>
             </a:r>
-            <a:endParaRPr lang="en-US" dirty="0"/>
           </a:p>
         </p:txBody>
       </p:sp>
@@ -9951,10 +8700,9 @@
           <a:p>
             <a:pPr algn="ctr"/>
             <a:r>
-              <a:rPr lang="en-US" dirty="0" smtClean="0"/>
+              <a:rPr lang="en-US" dirty="0"/>
               <a:t>2</a:t>
             </a:r>
-            <a:endParaRPr lang="en-US" dirty="0"/>
           </a:p>
         </p:txBody>
       </p:sp>
@@ -9995,10 +8743,9 @@
           <a:p>
             <a:pPr algn="ctr"/>
             <a:r>
-              <a:rPr lang="en-US" dirty="0" smtClean="0"/>
+              <a:rPr lang="en-US" dirty="0"/>
               <a:t>3</a:t>
             </a:r>
-            <a:endParaRPr lang="en-US" dirty="0"/>
           </a:p>
         </p:txBody>
       </p:sp>
@@ -10039,10 +8786,9 @@
           <a:p>
             <a:pPr algn="ctr"/>
             <a:r>
-              <a:rPr lang="en-US" dirty="0" smtClean="0"/>
+              <a:rPr lang="en-US" dirty="0"/>
               <a:t>4</a:t>
             </a:r>
-            <a:endParaRPr lang="en-US" dirty="0"/>
           </a:p>
         </p:txBody>
       </p:sp>
@@ -10059,7 +8805,7 @@
 </p:sld>
 </file>
 
-<file path=ppt/slides/slide7.xml><?xml version="1.0" encoding="utf-8"?>
+<file path=ppt/slides/slide6.xml><?xml version="1.0" encoding="utf-8"?>
 <p:sld xmlns:a="http://schemas.openxmlformats.org/drawingml/2006/main" xmlns:r="http://schemas.openxmlformats.org/officeDocument/2006/relationships" xmlns:p="http://schemas.openxmlformats.org/presentationml/2006/main">
   <p:cSld>
     <p:spTree>
@@ -10255,7 +9001,7 @@
                         <m:sSubPr>
                           <m:ctrlPr>
                             <a:rPr lang="en-US" sz="800" i="1">
-                              <a:latin typeface="Cambria Math"/>
+                              <a:latin typeface="Cambria Math" panose="02040503050406030204" pitchFamily="18" charset="0"/>
                             </a:rPr>
                           </m:ctrlPr>
                         </m:sSubPr>
@@ -10341,7 +9087,7 @@
 </p:sld>
 </file>
 
-<file path=ppt/slides/slide8.xml><?xml version="1.0" encoding="utf-8"?>
+<file path=ppt/slides/slide7.xml><?xml version="1.0" encoding="utf-8"?>
 <p:sld xmlns:a="http://schemas.openxmlformats.org/drawingml/2006/main" xmlns:r="http://schemas.openxmlformats.org/officeDocument/2006/relationships" xmlns:p="http://schemas.openxmlformats.org/presentationml/2006/main">
   <p:cSld>
     <p:spTree>
@@ -10493,7 +9239,7 @@
                         <m:sSupPr>
                           <m:ctrlPr>
                             <a:rPr lang="en-US" sz="800" i="1">
-                              <a:latin typeface="Cambria Math"/>
+                              <a:latin typeface="Cambria Math" panose="02040503050406030204" pitchFamily="18" charset="0"/>
                             </a:rPr>
                           </m:ctrlPr>
                         </m:sSupPr>
@@ -10502,7 +9248,7 @@
                             <m:sSubPr>
                               <m:ctrlPr>
                                 <a:rPr lang="en-US" sz="800" i="1">
-                                  <a:latin typeface="Cambria Math"/>
+                                  <a:latin typeface="Cambria Math" panose="02040503050406030204" pitchFamily="18" charset="0"/>
                                 </a:rPr>
                               </m:ctrlPr>
                             </m:sSubPr>
@@ -10627,7 +9373,7 @@
                         <m:sSubPr>
                           <m:ctrlPr>
                             <a:rPr lang="en-US" sz="800" i="1" smtClean="0">
-                              <a:latin typeface="Cambria Math"/>
+                              <a:latin typeface="Cambria Math" panose="02040503050406030204" pitchFamily="18" charset="0"/>
                             </a:rPr>
                           </m:ctrlPr>
                         </m:sSubPr>
@@ -10757,7 +9503,7 @@
 </p:sld>
 </file>
 
-<file path=ppt/slides/slide9.xml><?xml version="1.0" encoding="utf-8"?>
+<file path=ppt/slides/slide8.xml><?xml version="1.0" encoding="utf-8"?>
 <p:sld xmlns:a="http://schemas.openxmlformats.org/drawingml/2006/main" xmlns:r="http://schemas.openxmlformats.org/officeDocument/2006/relationships" xmlns:p="http://schemas.openxmlformats.org/presentationml/2006/main">
   <p:cSld>
     <p:spTree>
@@ -10796,10 +9542,9 @@
           <a:lstStyle/>
           <a:p>
             <a:r>
-              <a:rPr lang="en-US" sz="700" i="1" dirty="0" smtClean="0"/>
+              <a:rPr lang="en-US" sz="700" i="1" dirty="0"/>
               <a:t>Tanner</a:t>
             </a:r>
-            <a:endParaRPr lang="en-US" sz="700" i="1" dirty="0"/>
           </a:p>
         </p:txBody>
       </p:sp>
@@ -10825,10 +9570,9 @@
           <a:lstStyle/>
           <a:p>
             <a:r>
-              <a:rPr lang="en-US" sz="700" i="1" dirty="0" smtClean="0"/>
+              <a:rPr lang="en-US" sz="700" i="1" dirty="0"/>
               <a:t>Guyton</a:t>
             </a:r>
-            <a:endParaRPr lang="en-US" sz="700" i="1" dirty="0"/>
           </a:p>
         </p:txBody>
       </p:sp>
@@ -10869,10 +9613,9 @@
           <a:p>
             <a:pPr algn="ctr"/>
             <a:r>
-              <a:rPr lang="en-US" sz="1000" dirty="0" smtClean="0"/>
+              <a:rPr lang="en-US" sz="1000" dirty="0"/>
               <a:t>Water Deficit</a:t>
             </a:r>
-            <a:endParaRPr lang="en-US" sz="1000" dirty="0"/>
           </a:p>
         </p:txBody>
       </p:sp>
@@ -10911,22 +9654,21 @@
           <a:p>
             <a:pPr algn="ctr"/>
             <a:r>
-              <a:rPr lang="en-US" sz="1000" dirty="0" smtClean="0"/>
+              <a:rPr lang="en-US" sz="1000" dirty="0"/>
               <a:t>Plasma </a:t>
             </a:r>
             <a:r>
-              <a:rPr lang="en-US" sz="1000" dirty="0" err="1" smtClean="0"/>
+              <a:rPr lang="en-US" sz="1000" dirty="0" err="1"/>
               <a:t>Osmolarity</a:t>
             </a:r>
-            <a:endParaRPr lang="en-US" sz="1000" dirty="0" smtClean="0"/>
+            <a:endParaRPr lang="en-US" sz="1000" dirty="0"/>
           </a:p>
           <a:p>
             <a:pPr algn="ctr"/>
             <a:r>
-              <a:rPr lang="en-US" sz="1000" dirty="0" smtClean="0"/>
+              <a:rPr lang="en-US" sz="1000" dirty="0"/>
               <a:t>(Sodium Concentration)</a:t>
             </a:r>
-            <a:endParaRPr lang="en-US" sz="1000" dirty="0"/>
           </a:p>
         </p:txBody>
       </p:sp>
@@ -10965,10 +9707,9 @@
           <a:p>
             <a:pPr algn="ctr"/>
             <a:r>
-              <a:rPr lang="en-US" sz="1000" dirty="0" smtClean="0"/>
+              <a:rPr lang="en-US" sz="1000" dirty="0"/>
               <a:t>Tubules Permeability</a:t>
             </a:r>
-            <a:endParaRPr lang="en-US" sz="1000" dirty="0"/>
           </a:p>
         </p:txBody>
       </p:sp>
@@ -11007,17 +9748,16 @@
           <a:p>
             <a:pPr algn="ctr"/>
             <a:r>
-              <a:rPr lang="en-US" sz="1000" dirty="0" smtClean="0"/>
+              <a:rPr lang="en-US" sz="1000" dirty="0"/>
               <a:t>Water Excreted </a:t>
             </a:r>
           </a:p>
           <a:p>
             <a:pPr algn="ctr"/>
             <a:r>
-              <a:rPr lang="en-US" sz="1000" dirty="0" smtClean="0"/>
+              <a:rPr lang="en-US" sz="1000" dirty="0"/>
               <a:t>(Urine Production)</a:t>
             </a:r>
-            <a:endParaRPr lang="en-US" sz="1000" dirty="0"/>
           </a:p>
         </p:txBody>
       </p:sp>
@@ -11056,10 +9796,9 @@
           <a:p>
             <a:pPr algn="ctr"/>
             <a:r>
-              <a:rPr lang="en-US" sz="1000" dirty="0" smtClean="0"/>
+              <a:rPr lang="en-US" sz="1000" dirty="0"/>
               <a:t>Water Reabsorption</a:t>
             </a:r>
-            <a:endParaRPr lang="en-US" sz="1000" dirty="0"/>
           </a:p>
         </p:txBody>
       </p:sp>
@@ -11420,10 +10159,9 @@
           <a:p>
             <a:pPr algn="ctr"/>
             <a:r>
-              <a:rPr lang="en-US" sz="1000" dirty="0" smtClean="0"/>
+              <a:rPr lang="en-US" sz="1000" dirty="0"/>
               <a:t>Excess Water</a:t>
             </a:r>
-            <a:endParaRPr lang="en-US" sz="1000" dirty="0"/>
           </a:p>
         </p:txBody>
       </p:sp>
@@ -11462,10 +10200,9 @@
           <a:p>
             <a:pPr algn="ctr"/>
             <a:r>
-              <a:rPr lang="en-US" sz="1000" dirty="0" smtClean="0"/>
+              <a:rPr lang="en-US" sz="1000" dirty="0"/>
               <a:t>Plasma Fluid</a:t>
             </a:r>
-            <a:endParaRPr lang="en-US" sz="1000" dirty="0"/>
           </a:p>
         </p:txBody>
       </p:sp>
@@ -11696,10 +10433,9 @@
           <a:p>
             <a:pPr algn="ctr"/>
             <a:r>
-              <a:rPr lang="en-US" sz="1000" dirty="0" smtClean="0"/>
+              <a:rPr lang="en-US" sz="1000" dirty="0"/>
               <a:t>Pressure Increase</a:t>
             </a:r>
-            <a:endParaRPr lang="en-US" sz="1000" dirty="0"/>
           </a:p>
         </p:txBody>
       </p:sp>
@@ -11738,10 +10474,9 @@
           <a:p>
             <a:pPr algn="ctr"/>
             <a:r>
-              <a:rPr lang="en-US" sz="1000" dirty="0" smtClean="0"/>
+              <a:rPr lang="en-US" sz="1000" dirty="0"/>
               <a:t>Renal Blood Flow</a:t>
             </a:r>
-            <a:endParaRPr lang="en-US" sz="1000" dirty="0"/>
           </a:p>
         </p:txBody>
       </p:sp>
@@ -11780,10 +10515,9 @@
           <a:p>
             <a:pPr algn="ctr"/>
             <a:r>
-              <a:rPr lang="en-US" sz="1000" dirty="0" smtClean="0"/>
+              <a:rPr lang="en-US" sz="1000" dirty="0"/>
               <a:t>Glomerular Filtration Rate</a:t>
             </a:r>
-            <a:endParaRPr lang="en-US" sz="1000" dirty="0"/>
           </a:p>
         </p:txBody>
       </p:sp>
@@ -11822,11 +10556,11 @@
           <a:p>
             <a:pPr algn="ctr"/>
             <a:r>
-              <a:rPr lang="en-US" sz="1000" dirty="0" smtClean="0"/>
+              <a:rPr lang="en-US" sz="1000" dirty="0"/>
               <a:t>Delivery of Sodium to Macula </a:t>
             </a:r>
             <a:r>
-              <a:rPr lang="en-US" sz="1000" dirty="0" err="1" smtClean="0"/>
+              <a:rPr lang="en-US" sz="1000" dirty="0" err="1"/>
               <a:t>Densa</a:t>
             </a:r>
             <a:endParaRPr lang="en-US" sz="1000" dirty="0"/>
@@ -12110,10 +10844,9 @@
           <a:p>
             <a:pPr algn="ctr"/>
             <a:r>
-              <a:rPr lang="en-US" sz="1000" dirty="0" smtClean="0"/>
+              <a:rPr lang="en-US" sz="1000" dirty="0"/>
               <a:t>Pressure Decrease</a:t>
             </a:r>
-            <a:endParaRPr lang="en-US" sz="1000" dirty="0"/>
           </a:p>
         </p:txBody>
       </p:sp>
@@ -12152,10 +10885,9 @@
           <a:p>
             <a:pPr algn="ctr"/>
             <a:r>
-              <a:rPr lang="en-US" sz="1000" dirty="0" smtClean="0"/>
+              <a:rPr lang="en-US" sz="1000" dirty="0"/>
               <a:t>Mean Arterial Pressure</a:t>
             </a:r>
-            <a:endParaRPr lang="en-US" sz="1000" dirty="0"/>
           </a:p>
         </p:txBody>
       </p:sp>
@@ -12386,10 +11118,9 @@
           <a:p>
             <a:pPr algn="ctr"/>
             <a:r>
-              <a:rPr lang="en-US" sz="1000" dirty="0" smtClean="0"/>
+              <a:rPr lang="en-US" sz="1000" dirty="0"/>
               <a:t>Constriction</a:t>
             </a:r>
-            <a:endParaRPr lang="en-US" sz="1000" dirty="0"/>
           </a:p>
         </p:txBody>
       </p:sp>
@@ -12430,10 +11161,9 @@
           <a:p>
             <a:pPr algn="ctr"/>
             <a:r>
-              <a:rPr lang="en-US" sz="1000" dirty="0" smtClean="0"/>
+              <a:rPr lang="en-US" sz="1000" dirty="0"/>
               <a:t>Dilation</a:t>
             </a:r>
-            <a:endParaRPr lang="en-US" sz="1000" dirty="0"/>
           </a:p>
         </p:txBody>
       </p:sp>
@@ -12472,10 +11202,9 @@
           <a:p>
             <a:pPr algn="ctr"/>
             <a:r>
-              <a:rPr lang="en-US" sz="1000" dirty="0" smtClean="0"/>
+              <a:rPr lang="en-US" sz="1000" dirty="0"/>
               <a:t>Afferent Arteriole Change</a:t>
             </a:r>
-            <a:endParaRPr lang="en-US" sz="1000" dirty="0"/>
           </a:p>
         </p:txBody>
       </p:sp>
@@ -12519,7 +11248,7 @@
                         <m:sSubPr>
                           <m:ctrlPr>
                             <a:rPr lang="en-US" sz="800" i="1" smtClean="0">
-                              <a:latin typeface="Cambria Math"/>
+                              <a:latin typeface="Cambria Math" panose="02040503050406030204" pitchFamily="18" charset="0"/>
                             </a:rPr>
                           </m:ctrlPr>
                         </m:sSubPr>
@@ -12544,7 +11273,7 @@
                         <m:boxPr>
                           <m:ctrlPr>
                             <a:rPr lang="en-US" sz="800" b="0" i="1" smtClean="0">
-                              <a:latin typeface="Cambria Math"/>
+                              <a:latin typeface="Cambria Math" panose="02040503050406030204" pitchFamily="18" charset="0"/>
                             </a:rPr>
                           </m:ctrlPr>
                         </m:boxPr>
@@ -12568,7 +11297,7 @@
                         <m:fPr>
                           <m:ctrlPr>
                             <a:rPr lang="en-US" sz="800" i="1">
-                              <a:latin typeface="Cambria Math"/>
+                              <a:latin typeface="Cambria Math" panose="02040503050406030204" pitchFamily="18" charset="0"/>
                             </a:rPr>
                           </m:ctrlPr>
                         </m:fPr>
@@ -12577,7 +11306,7 @@
                             <m:sSupPr>
                               <m:ctrlPr>
                                 <a:rPr lang="en-US" sz="800" i="1" smtClean="0">
-                                  <a:latin typeface="Cambria Math"/>
+                                  <a:latin typeface="Cambria Math" panose="02040503050406030204" pitchFamily="18" charset="0"/>
                                 </a:rPr>
                               </m:ctrlPr>
                             </m:sSupPr>
@@ -12586,7 +11315,7 @@
                                 <m:sSubPr>
                                   <m:ctrlPr>
                                     <a:rPr lang="en-US" sz="800" i="1">
-                                      <a:latin typeface="Cambria Math"/>
+                                      <a:latin typeface="Cambria Math" panose="02040503050406030204" pitchFamily="18" charset="0"/>
                                     </a:rPr>
                                   </m:ctrlPr>
                                 </m:sSubPr>
@@ -12623,7 +11352,7 @@
                             <m:sSupPr>
                               <m:ctrlPr>
                                 <a:rPr lang="en-US" sz="800" i="1">
-                                  <a:latin typeface="Cambria Math"/>
+                                  <a:latin typeface="Cambria Math" panose="02040503050406030204" pitchFamily="18" charset="0"/>
                                 </a:rPr>
                               </m:ctrlPr>
                             </m:sSupPr>
@@ -12632,7 +11361,7 @@
                                 <m:sSubPr>
                                   <m:ctrlPr>
                                     <a:rPr lang="en-US" sz="800" i="1">
-                                      <a:latin typeface="Cambria Math"/>
+                                      <a:latin typeface="Cambria Math" panose="02040503050406030204" pitchFamily="18" charset="0"/>
                                     </a:rPr>
                                   </m:ctrlPr>
                                 </m:sSubPr>
@@ -12731,6 +11460,164 @@
     <p:extLst>
       <p:ext uri="{BB962C8B-B14F-4D97-AF65-F5344CB8AC3E}">
         <p14:creationId xmlns:p14="http://schemas.microsoft.com/office/powerpoint/2010/main" val="1237997262"/>
+      </p:ext>
+    </p:extLst>
+  </p:cSld>
+  <p:clrMapOvr>
+    <a:masterClrMapping/>
+  </p:clrMapOvr>
+</p:sld>
+</file>
+
+<file path=ppt/slides/slide9.xml><?xml version="1.0" encoding="utf-8"?>
+<p:sld xmlns:a="http://schemas.openxmlformats.org/drawingml/2006/main" xmlns:r="http://schemas.openxmlformats.org/officeDocument/2006/relationships" xmlns:p="http://schemas.openxmlformats.org/presentationml/2006/main">
+  <p:cSld>
+    <p:spTree>
+      <p:nvGrpSpPr>
+        <p:cNvPr id="1" name=""/>
+        <p:cNvGrpSpPr/>
+        <p:nvPr/>
+      </p:nvGrpSpPr>
+      <p:grpSpPr>
+        <a:xfrm>
+          <a:off x="0" y="0"/>
+          <a:ext cx="0" cy="0"/>
+          <a:chOff x="0" y="0"/>
+          <a:chExt cx="0" cy="0"/>
+        </a:xfrm>
+      </p:grpSpPr>
+      <p:pic>
+        <p:nvPicPr>
+          <p:cNvPr id="5122" name="Picture 2"/>
+          <p:cNvPicPr>
+            <a:picLocks noChangeAspect="1" noChangeArrowheads="1"/>
+          </p:cNvPicPr>
+          <p:nvPr/>
+        </p:nvPicPr>
+        <p:blipFill>
+          <a:blip r:embed="rId2" cstate="print">
+            <a:extLst>
+              <a:ext uri="{28A0092B-C50C-407E-A947-70E740481C1C}">
+                <a14:useLocalDpi xmlns:a14="http://schemas.microsoft.com/office/drawing/2010/main" val="0"/>
+              </a:ext>
+            </a:extLst>
+          </a:blip>
+          <a:srcRect/>
+          <a:stretch>
+            <a:fillRect/>
+          </a:stretch>
+        </p:blipFill>
+        <p:spPr bwMode="auto">
+          <a:xfrm>
+            <a:off x="1337054" y="1424046"/>
+            <a:ext cx="2091945" cy="2769202"/>
+          </a:xfrm>
+          <a:prstGeom prst="rect">
+            <a:avLst/>
+          </a:prstGeom>
+          <a:noFill/>
+          <a:ln>
+            <a:noFill/>
+          </a:ln>
+          <a:effectLst/>
+          <a:extLst>
+            <a:ext uri="{909E8E84-426E-40DD-AFC4-6F175D3DCCD1}">
+              <a14:hiddenFill xmlns:a14="http://schemas.microsoft.com/office/drawing/2010/main">
+                <a:solidFill>
+                  <a:schemeClr val="accent1"/>
+                </a:solidFill>
+              </a14:hiddenFill>
+            </a:ext>
+            <a:ext uri="{91240B29-F687-4F45-9708-019B960494DF}">
+              <a14:hiddenLine xmlns:a14="http://schemas.microsoft.com/office/drawing/2010/main" w="9525">
+                <a:solidFill>
+                  <a:schemeClr val="tx1"/>
+                </a:solidFill>
+                <a:miter lim="800000"/>
+                <a:headEnd/>
+                <a:tailEnd/>
+              </a14:hiddenLine>
+            </a:ext>
+            <a:ext uri="{AF507438-7753-43E0-B8FC-AC1667EBCBE1}">
+              <a14:hiddenEffects xmlns:a14="http://schemas.microsoft.com/office/drawing/2010/main">
+                <a:effectLst>
+                  <a:outerShdw dist="35921" dir="2700000" algn="ctr" rotWithShape="0">
+                    <a:schemeClr val="bg2"/>
+                  </a:outerShdw>
+                </a:effectLst>
+              </a14:hiddenEffects>
+            </a:ext>
+          </a:extLst>
+        </p:spPr>
+      </p:pic>
+      <p:pic>
+        <p:nvPicPr>
+          <p:cNvPr id="5123" name="Picture 3"/>
+          <p:cNvPicPr>
+            <a:picLocks noChangeAspect="1" noChangeArrowheads="1"/>
+          </p:cNvPicPr>
+          <p:nvPr/>
+        </p:nvPicPr>
+        <p:blipFill>
+          <a:blip r:embed="rId3" cstate="print">
+            <a:extLst>
+              <a:ext uri="{28A0092B-C50C-407E-A947-70E740481C1C}">
+                <a14:useLocalDpi xmlns:a14="http://schemas.microsoft.com/office/drawing/2010/main" val="0"/>
+              </a:ext>
+            </a:extLst>
+          </a:blip>
+          <a:srcRect/>
+          <a:stretch>
+            <a:fillRect/>
+          </a:stretch>
+        </p:blipFill>
+        <p:spPr bwMode="auto">
+          <a:xfrm>
+            <a:off x="5564536" y="1424043"/>
+            <a:ext cx="2369850" cy="2769203"/>
+          </a:xfrm>
+          <a:prstGeom prst="rect">
+            <a:avLst/>
+          </a:prstGeom>
+          <a:noFill/>
+          <a:ln>
+            <a:noFill/>
+          </a:ln>
+          <a:effectLst/>
+          <a:extLst>
+            <a:ext uri="{909E8E84-426E-40DD-AFC4-6F175D3DCCD1}">
+              <a14:hiddenFill xmlns:a14="http://schemas.microsoft.com/office/drawing/2010/main">
+                <a:solidFill>
+                  <a:schemeClr val="accent1"/>
+                </a:solidFill>
+              </a14:hiddenFill>
+            </a:ext>
+            <a:ext uri="{91240B29-F687-4F45-9708-019B960494DF}">
+              <a14:hiddenLine xmlns:a14="http://schemas.microsoft.com/office/drawing/2010/main" w="9525">
+                <a:solidFill>
+                  <a:schemeClr val="tx1"/>
+                </a:solidFill>
+                <a:miter lim="800000"/>
+                <a:headEnd/>
+                <a:tailEnd/>
+              </a14:hiddenLine>
+            </a:ext>
+            <a:ext uri="{AF507438-7753-43E0-B8FC-AC1667EBCBE1}">
+              <a14:hiddenEffects xmlns:a14="http://schemas.microsoft.com/office/drawing/2010/main">
+                <a:effectLst>
+                  <a:outerShdw dist="35921" dir="2700000" algn="ctr" rotWithShape="0">
+                    <a:schemeClr val="bg2"/>
+                  </a:outerShdw>
+                </a:effectLst>
+              </a14:hiddenEffects>
+            </a:ext>
+          </a:extLst>
+        </p:spPr>
+      </p:pic>
+    </p:spTree>
+    <p:extLst>
+      <p:ext uri="{BB962C8B-B14F-4D97-AF65-F5344CB8AC3E}">
+        <p14:creationId xmlns:p14="http://schemas.microsoft.com/office/powerpoint/2010/main" val="736874386"/>
       </p:ext>
     </p:extLst>
   </p:cSld>
